--- a/16317/f15/lectures/16.317f15_lec2_data.pptx
+++ b/16317/f15/lectures/16.317f15_lec2_data.pptx
@@ -5,10 +5,10 @@
     <p:sldMasterId id="2147483792" r:id="rId1"/>
   </p:sldMasterIdLst>
   <p:notesMasterIdLst>
-    <p:notesMasterId r:id="rId24"/>
+    <p:notesMasterId r:id="rId20"/>
   </p:notesMasterIdLst>
   <p:handoutMasterIdLst>
-    <p:handoutMasterId r:id="rId25"/>
+    <p:handoutMasterId r:id="rId21"/>
   </p:handoutMasterIdLst>
   <p:sldIdLst>
     <p:sldId id="256" r:id="rId2"/>
@@ -28,11 +28,7 @@
     <p:sldId id="392" r:id="rId16"/>
     <p:sldId id="393" r:id="rId17"/>
     <p:sldId id="394" r:id="rId18"/>
-    <p:sldId id="395" r:id="rId19"/>
-    <p:sldId id="396" r:id="rId20"/>
-    <p:sldId id="397" r:id="rId21"/>
-    <p:sldId id="399" r:id="rId22"/>
-    <p:sldId id="379" r:id="rId23"/>
+    <p:sldId id="379" r:id="rId19"/>
   </p:sldIdLst>
   <p:sldSz cx="9144000" cy="6858000" type="screen4x3"/>
   <p:notesSz cx="9144000" cy="6858000"/>
@@ -527,7 +523,7 @@
         <p:nvSpPr>
           <p:cNvPr id="28676" name="Rectangle 4"/>
           <p:cNvSpPr>
-            <a:spLocks noRot="1" noChangeArrowheads="1" noTextEdit="1"/>
+            <a:spLocks noGrp="1" noRot="1" noChangeAspect="1" noChangeArrowheads="1" noTextEdit="1"/>
           </p:cNvSpPr>
           <p:nvPr>
             <p:ph type="sldImg" idx="2"/>
@@ -1048,7 +1044,7 @@
         <p:nvSpPr>
           <p:cNvPr id="29699" name="Rectangle 2"/>
           <p:cNvSpPr>
-            <a:spLocks noRot="1" noChangeArrowheads="1" noTextEdit="1"/>
+            <a:spLocks noGrp="1" noRot="1" noChangeAspect="1" noChangeArrowheads="1" noTextEdit="1"/>
           </p:cNvSpPr>
           <p:nvPr>
             <p:ph type="sldImg"/>
@@ -1283,7 +1279,7 @@
             <a:fld id="{9A721789-792E-EB4E-8BE7-301E83D31FE3}" type="datetime1">
               <a:rPr lang="en-US"/>
               <a:pPr/>
-              <a:t>9/2/15</a:t>
+              <a:t>9/7/15</a:t>
             </a:fld>
             <a:endParaRPr lang="en-US"/>
           </a:p>
@@ -1847,7 +1843,7 @@
             <a:fld id="{D4876FCC-CA28-A643-BA06-52DD4FB1637F}" type="datetime1">
               <a:rPr lang="en-US"/>
               <a:pPr/>
-              <a:t>9/2/15</a:t>
+              <a:t>9/7/15</a:t>
             </a:fld>
             <a:endParaRPr lang="en-US"/>
           </a:p>
@@ -2411,7 +2407,7 @@
             <a:fld id="{A3F15C21-3FF9-D643-896D-ED9D4319AC9F}" type="datetime1">
               <a:rPr lang="en-US"/>
               <a:pPr/>
-              <a:t>9/2/15</a:t>
+              <a:t>9/7/15</a:t>
             </a:fld>
             <a:endParaRPr lang="en-US"/>
           </a:p>
@@ -2975,7 +2971,7 @@
             <a:fld id="{CF36AF7F-60C8-D349-873A-D68EF79EB869}" type="datetime1">
               <a:rPr lang="en-US"/>
               <a:pPr/>
-              <a:t>9/2/15</a:t>
+              <a:t>9/7/15</a:t>
             </a:fld>
             <a:endParaRPr lang="en-US"/>
           </a:p>
@@ -3539,7 +3535,7 @@
             <a:fld id="{7223ADDA-AE31-B04C-9EA8-C7C0635A62CC}" type="datetime1">
               <a:rPr lang="en-US"/>
               <a:pPr/>
-              <a:t>9/2/15</a:t>
+              <a:t>9/7/15</a:t>
             </a:fld>
             <a:endParaRPr lang="en-US"/>
           </a:p>
@@ -4156,7 +4152,7 @@
             <a:fld id="{F6BB821C-B3E3-F645-93BB-BA974FB63B03}" type="datetime1">
               <a:rPr lang="en-US"/>
               <a:pPr/>
-              <a:t>9/2/15</a:t>
+              <a:t>9/7/15</a:t>
             </a:fld>
             <a:endParaRPr lang="en-US"/>
           </a:p>
@@ -4353,7 +4349,7 @@
             <a:fld id="{1E9BF533-8DB7-D048-B85F-B482F2D9DD87}" type="datetime1">
               <a:rPr lang="en-US"/>
               <a:pPr/>
-              <a:t>9/2/15</a:t>
+              <a:t>9/7/15</a:t>
             </a:fld>
             <a:endParaRPr lang="en-US"/>
           </a:p>
@@ -4559,7 +4555,7 @@
             <a:fld id="{83AA0F41-89E5-D342-8B7C-C996FAD1753E}" type="datetime1">
               <a:rPr lang="en-US"/>
               <a:pPr/>
-              <a:t>9/2/15</a:t>
+              <a:t>9/7/15</a:t>
             </a:fld>
             <a:endParaRPr lang="en-US"/>
           </a:p>
@@ -4822,7 +4818,7 @@
             <a:fld id="{FF580148-D370-1B44-851C-3326D44830F0}" type="datetime1">
               <a:rPr lang="en-US"/>
               <a:pPr/>
-              <a:t>9/2/15</a:t>
+              <a:t>9/7/15</a:t>
             </a:fld>
             <a:endParaRPr lang="en-US"/>
           </a:p>
@@ -5085,7 +5081,7 @@
             <a:fld id="{BC4BF29B-11E9-BC45-888A-8F38D0CB4714}" type="datetime1">
               <a:rPr lang="en-US"/>
               <a:pPr/>
-              <a:t>9/2/15</a:t>
+              <a:t>9/7/15</a:t>
             </a:fld>
             <a:endParaRPr lang="en-US"/>
           </a:p>
@@ -5319,7 +5315,7 @@
             <a:fld id="{E20CCE97-568B-0748-8BD7-7F1A5EB996CE}" type="datetime1">
               <a:rPr lang="en-US"/>
               <a:pPr/>
-              <a:t>9/2/15</a:t>
+              <a:t>9/7/15</a:t>
             </a:fld>
             <a:endParaRPr lang="en-US"/>
           </a:p>
@@ -5586,7 +5582,7 @@
             <a:fld id="{F712238B-A08B-644E-9E32-FD0E1D85DB65}" type="datetime1">
               <a:rPr lang="en-US"/>
               <a:pPr/>
-              <a:t>9/2/15</a:t>
+              <a:t>9/7/15</a:t>
             </a:fld>
             <a:endParaRPr lang="en-US"/>
           </a:p>
@@ -5778,7 +5774,7 @@
             <a:fld id="{8FE239C5-E53C-3D4F-8135-B2D3D0F77C14}" type="datetime1">
               <a:rPr lang="en-US"/>
               <a:pPr/>
-              <a:t>9/2/15</a:t>
+              <a:t>9/7/15</a:t>
             </a:fld>
             <a:endParaRPr lang="en-US"/>
           </a:p>
@@ -5996,7 +5992,7 @@
             <a:fld id="{561BA18E-6CCA-614F-883C-BBBB7F6A55BD}" type="datetime1">
               <a:rPr lang="en-US"/>
               <a:pPr/>
-              <a:t>9/2/15</a:t>
+              <a:t>9/7/15</a:t>
             </a:fld>
             <a:endParaRPr lang="en-US"/>
           </a:p>
@@ -6310,7 +6306,7 @@
             <a:fld id="{BF10E43D-2FBF-B64A-8387-50AFAFD53BA4}" type="datetime1">
               <a:rPr lang="en-US"/>
               <a:pPr/>
-              <a:t>9/2/15</a:t>
+              <a:t>9/7/15</a:t>
             </a:fld>
             <a:endParaRPr lang="en-US"/>
           </a:p>
@@ -6763,7 +6759,7 @@
             <a:fld id="{D309BE9E-9041-3C4F-9E6E-2F7DCFE679B4}" type="datetime1">
               <a:rPr lang="en-US"/>
               <a:pPr/>
-              <a:t>9/2/15</a:t>
+              <a:t>9/7/15</a:t>
             </a:fld>
             <a:endParaRPr lang="en-US"/>
           </a:p>
@@ -6907,7 +6903,7 @@
             <a:fld id="{73A6F33A-40CF-6C4E-B7F4-8A3460191771}" type="datetime1">
               <a:rPr lang="en-US"/>
               <a:pPr/>
-              <a:t>9/2/15</a:t>
+              <a:t>9/7/15</a:t>
             </a:fld>
             <a:endParaRPr lang="en-US"/>
           </a:p>
@@ -7028,7 +7024,7 @@
             <a:fld id="{F55F87CA-F69B-A64B-8FD7-49F8E60B73AD}" type="datetime1">
               <a:rPr lang="en-US"/>
               <a:pPr/>
-              <a:t>9/2/15</a:t>
+              <a:t>9/7/15</a:t>
             </a:fld>
             <a:endParaRPr lang="en-US"/>
           </a:p>
@@ -7331,7 +7327,7 @@
             <a:fld id="{972593E3-0247-D047-8661-D18812C70249}" type="datetime1">
               <a:rPr lang="en-US"/>
               <a:pPr/>
-              <a:t>9/2/15</a:t>
+              <a:t>9/7/15</a:t>
             </a:fld>
             <a:endParaRPr lang="en-US"/>
           </a:p>
@@ -7611,7 +7607,7 @@
             <a:fld id="{20FE76B1-CD3E-964C-A000-9A746917D87A}" type="datetime1">
               <a:rPr lang="en-US"/>
               <a:pPr/>
-              <a:t>9/2/15</a:t>
+              <a:t>9/7/15</a:t>
             </a:fld>
             <a:endParaRPr lang="en-US"/>
           </a:p>
@@ -7910,7 +7906,7 @@
             <a:fld id="{C020C692-BB28-2A46-BC92-11971FBFB0DC}" type="datetime1">
               <a:rPr lang="en-US"/>
               <a:pPr/>
-              <a:t>9/2/15</a:t>
+              <a:t>9/7/15</a:t>
             </a:fld>
             <a:endParaRPr lang="en-US"/>
           </a:p>
@@ -9221,7 +9217,7 @@
                 <a:latin typeface="Garamond" charset="0"/>
               </a:rPr>
               <a:pPr eaLnBrk="1" hangingPunct="1"/>
-              <a:t>9/2/15</a:t>
+              <a:t>9/7/15</a:t>
             </a:fld>
             <a:endParaRPr lang="en-US">
               <a:latin typeface="Garamond" charset="0"/>
@@ -9995,7 +9991,7 @@
                 <a:latin typeface="Garamond" charset="0"/>
               </a:rPr>
               <a:pPr eaLnBrk="1" hangingPunct="1"/>
-              <a:t>9/2/15</a:t>
+              <a:t>9/7/15</a:t>
             </a:fld>
             <a:endParaRPr lang="en-US">
               <a:latin typeface="Garamond" charset="0"/>
@@ -10762,7 +10758,7 @@
                 <a:latin typeface="Garamond" charset="0"/>
               </a:rPr>
               <a:pPr eaLnBrk="1" hangingPunct="1"/>
-              <a:t>9/2/15</a:t>
+              <a:t>9/7/15</a:t>
             </a:fld>
             <a:endParaRPr lang="en-US">
               <a:latin typeface="Garamond" charset="0"/>
@@ -11357,7 +11353,7 @@
                 <a:latin typeface="Garamond" charset="0"/>
               </a:rPr>
               <a:pPr eaLnBrk="1" hangingPunct="1"/>
-              <a:t>9/2/15</a:t>
+              <a:t>9/7/15</a:t>
             </a:fld>
             <a:endParaRPr lang="en-US">
               <a:latin typeface="Garamond" charset="0"/>
@@ -12241,7 +12237,7 @@
                 <a:latin typeface="Garamond" charset="0"/>
               </a:rPr>
               <a:pPr eaLnBrk="1" hangingPunct="1"/>
-              <a:t>9/2/15</a:t>
+              <a:t>9/7/15</a:t>
             </a:fld>
             <a:endParaRPr lang="en-US">
               <a:latin typeface="Garamond" charset="0"/>
@@ -12645,7 +12641,7 @@
                 <a:latin typeface="Garamond" charset="0"/>
               </a:rPr>
               <a:pPr eaLnBrk="1" hangingPunct="1"/>
-              <a:t>9/2/15</a:t>
+              <a:t>9/7/15</a:t>
             </a:fld>
             <a:endParaRPr lang="en-US">
               <a:latin typeface="Garamond" charset="0"/>
@@ -13295,7 +13291,7 @@
                 <a:latin typeface="Garamond" charset="0"/>
               </a:rPr>
               <a:pPr eaLnBrk="1" hangingPunct="1"/>
-              <a:t>9/2/15</a:t>
+              <a:t>9/7/15</a:t>
             </a:fld>
             <a:endParaRPr lang="en-US">
               <a:latin typeface="Garamond" charset="0"/>
@@ -14051,7 +14047,7 @@
                 <a:latin typeface="Garamond" charset="0"/>
               </a:rPr>
               <a:pPr eaLnBrk="1" hangingPunct="1"/>
-              <a:t>9/2/15</a:t>
+              <a:t>9/7/15</a:t>
             </a:fld>
             <a:endParaRPr lang="en-US">
               <a:latin typeface="Garamond" charset="0"/>
@@ -14328,7 +14324,7 @@
       </p:grpSpPr>
       <p:sp>
         <p:nvSpPr>
-          <p:cNvPr id="23554" name="Title 1"/>
+          <p:cNvPr id="27650" name="Title 1"/>
           <p:cNvSpPr>
             <a:spLocks noGrp="1"/>
           </p:cNvSpPr>
@@ -14345,14 +14341,14 @@
               <a:rPr lang="en-US">
                 <a:latin typeface="Garamond" charset="0"/>
               </a:rPr>
-              <a:t>Data storage</a:t>
-            </a:r>
-          </a:p>
-        </p:txBody>
-      </p:sp>
-      <p:sp>
-        <p:nvSpPr>
-          <p:cNvPr id="3" name="Content Placeholder 2"/>
+              <a:t>Final notes</a:t>
+            </a:r>
+          </a:p>
+        </p:txBody>
+      </p:sp>
+      <p:sp>
+        <p:nvSpPr>
+          <p:cNvPr id="27651" name="Content Placeholder 2"/>
           <p:cNvSpPr>
             <a:spLocks noGrp="1"/>
           </p:cNvSpPr>
@@ -14366,78 +14362,115 @@
           <a:lstStyle/>
           <a:p>
             <a:r>
-              <a:rPr lang="en-US">
-                <a:latin typeface="Arial" charset="0"/>
-              </a:rPr>
-              <a:t>What characteristics do we want storage media to have? </a:t>
-            </a:r>
-          </a:p>
-          <a:p>
-            <a:r>
-              <a:rPr lang="en-US">
-                <a:latin typeface="Arial" charset="0"/>
-              </a:rPr>
-              <a:t>Two primary answers</a:t>
-            </a:r>
+              <a:rPr lang="en-US" dirty="0">
+                <a:latin typeface="Arial" charset="0"/>
+              </a:rPr>
+              <a:t>Next </a:t>
+            </a:r>
+            <a:r>
+              <a:rPr lang="en-US" dirty="0" smtClean="0">
+                <a:latin typeface="Arial" charset="0"/>
+              </a:rPr>
+              <a:t>time </a:t>
+            </a:r>
+            <a:r>
+              <a:rPr lang="en-US" i="1" dirty="0" smtClean="0">
+                <a:latin typeface="Arial" charset="0"/>
+              </a:rPr>
+              <a:t>(Wednesday, 9/9)</a:t>
+            </a:r>
+            <a:r>
+              <a:rPr lang="en-US" dirty="0" smtClean="0">
+                <a:latin typeface="Arial" charset="0"/>
+              </a:rPr>
+              <a:t>:</a:t>
+            </a:r>
+            <a:endParaRPr lang="en-US" dirty="0">
+              <a:latin typeface="Arial" charset="0"/>
+            </a:endParaRPr>
           </a:p>
           <a:p>
             <a:pPr lvl="1"/>
             <a:r>
-              <a:rPr lang="en-US">
-                <a:latin typeface="Arial" charset="0"/>
-              </a:rPr>
-              <a:t>Speed</a:t>
+              <a:rPr lang="en-US" dirty="0" smtClean="0">
+                <a:latin typeface="Arial" charset="0"/>
+              </a:rPr>
+              <a:t>Data storage</a:t>
             </a:r>
           </a:p>
           <a:p>
             <a:pPr lvl="1"/>
             <a:r>
-              <a:rPr lang="en-US">
-                <a:latin typeface="Arial" charset="0"/>
-              </a:rPr>
-              <a:t>Capacity</a:t>
+              <a:rPr lang="en-US" dirty="0" smtClean="0">
+                <a:latin typeface="Arial" charset="0"/>
+              </a:rPr>
+              <a:t>Alignment</a:t>
             </a:r>
           </a:p>
           <a:p>
             <a:pPr lvl="1"/>
             <a:r>
-              <a:rPr lang="en-US">
-                <a:latin typeface="Arial" charset="0"/>
-              </a:rPr>
-              <a:t>Very difficult to get both in single storage unit</a:t>
-            </a:r>
-          </a:p>
-          <a:p>
-            <a:r>
-              <a:rPr lang="en-US">
-                <a:latin typeface="Arial" charset="0"/>
-              </a:rPr>
-              <a:t>Processors use two different types of storage</a:t>
+              <a:rPr lang="en-US" smtClean="0">
+                <a:latin typeface="Arial" charset="0"/>
+              </a:rPr>
+              <a:t>Endianness</a:t>
             </a:r>
           </a:p>
           <a:p>
             <a:pPr lvl="1"/>
             <a:r>
-              <a:rPr lang="en-US">
-                <a:solidFill>
-                  <a:srgbClr val="FF0000"/>
-                </a:solidFill>
-                <a:latin typeface="Arial" charset="0"/>
-              </a:rPr>
-              <a:t>Registers</a:t>
+              <a:rPr lang="en-US" dirty="0" smtClean="0">
+                <a:latin typeface="Arial" charset="0"/>
+              </a:rPr>
+              <a:t>x86 </a:t>
+            </a:r>
+            <a:r>
+              <a:rPr lang="en-US" dirty="0">
+                <a:latin typeface="Arial" charset="0"/>
+              </a:rPr>
+              <a:t>introduction</a:t>
+            </a:r>
+          </a:p>
+          <a:p>
+            <a:r>
+              <a:rPr lang="en-US" dirty="0">
+                <a:latin typeface="Arial" charset="0"/>
+              </a:rPr>
+              <a:t>Reminders:</a:t>
             </a:r>
           </a:p>
           <a:p>
             <a:pPr lvl="1"/>
             <a:r>
-              <a:rPr lang="en-US">
-                <a:solidFill>
-                  <a:srgbClr val="FF0000"/>
-                </a:solidFill>
-                <a:latin typeface="Arial" charset="0"/>
-              </a:rPr>
-              <a:t>Memory</a:t>
-            </a:r>
+              <a:rPr lang="en-US" dirty="0">
+                <a:latin typeface="Arial" charset="0"/>
+              </a:rPr>
+              <a:t>Sign up for the discussion group on </a:t>
+            </a:r>
+            <a:r>
+              <a:rPr lang="en-US" dirty="0" smtClean="0">
+                <a:latin typeface="Arial" charset="0"/>
+              </a:rPr>
+              <a:t>Piazza</a:t>
+            </a:r>
+          </a:p>
+          <a:p>
+            <a:pPr lvl="1"/>
+            <a:r>
+              <a:rPr lang="en-US" dirty="0" smtClean="0">
+                <a:latin typeface="Arial" charset="0"/>
+              </a:rPr>
+              <a:t>No lecture Monday (Labor Day)</a:t>
+            </a:r>
+            <a:endParaRPr lang="en-US" dirty="0">
+              <a:latin typeface="Arial" charset="0"/>
+            </a:endParaRPr>
+          </a:p>
+          <a:p>
+            <a:pPr lvl="1"/>
+            <a:endParaRPr lang="en-US" dirty="0">
+              <a:latin typeface="Arial" charset="0"/>
+            </a:endParaRPr>
           </a:p>
         </p:txBody>
       </p:sp>
@@ -14572,12 +14605,12 @@
           </a:lstStyle>
           <a:p>
             <a:pPr eaLnBrk="1" hangingPunct="1"/>
-            <a:fld id="{D930AFB6-422F-7F40-AD0F-039799A6BF28}" type="datetime1">
+            <a:fld id="{3F938CA9-EE4D-004C-9EAB-9214E39AA4C7}" type="datetime1">
               <a:rPr lang="en-US">
                 <a:latin typeface="Garamond" charset="0"/>
               </a:rPr>
               <a:pPr eaLnBrk="1" hangingPunct="1"/>
-              <a:t>9/2/15</a:t>
+              <a:t>9/7/15</a:t>
             </a:fld>
             <a:endParaRPr lang="en-US">
               <a:latin typeface="Garamond" charset="0"/>
@@ -14741,728 +14774,12 @@
           </a:lstStyle>
           <a:p>
             <a:pPr eaLnBrk="1" hangingPunct="1"/>
-            <a:fld id="{B2CEA027-EB20-5B4B-BA00-3F34291F21C0}" type="slidenum">
+            <a:fld id="{518B7EA9-245E-F840-AF51-69B05D1259DF}" type="slidenum">
               <a:rPr lang="en-US">
                 <a:latin typeface="Garamond" charset="0"/>
               </a:rPr>
               <a:pPr eaLnBrk="1" hangingPunct="1"/>
               <a:t>18</a:t>
-            </a:fld>
-            <a:endParaRPr lang="en-US">
-              <a:latin typeface="Garamond" charset="0"/>
-            </a:endParaRPr>
-          </a:p>
-        </p:txBody>
-      </p:sp>
-    </p:spTree>
-  </p:cSld>
-  <p:clrMapOvr>
-    <a:masterClrMapping/>
-  </p:clrMapOvr>
-  <p:timing>
-    <p:tnLst>
-      <p:par>
-        <p:cTn xmlns:p14="http://schemas.microsoft.com/office/powerpoint/2010/main" id="1" dur="indefinite" restart="never" nodeType="tmRoot">
-          <p:childTnLst>
-            <p:seq concurrent="1" nextAc="seek">
-              <p:cTn id="2" dur="indefinite" nodeType="mainSeq">
-                <p:childTnLst>
-                  <p:par>
-                    <p:cTn id="3" fill="hold" nodeType="clickPar">
-                      <p:stCondLst>
-                        <p:cond delay="indefinite"/>
-                      </p:stCondLst>
-                      <p:childTnLst>
-                        <p:par>
-                          <p:cTn id="4" fill="hold" nodeType="withGroup">
-                            <p:stCondLst>
-                              <p:cond delay="0"/>
-                            </p:stCondLst>
-                            <p:childTnLst>
-                              <p:par>
-                                <p:cTn id="5" presetID="1" presetClass="entr" presetSubtype="0" fill="hold" nodeType="clickEffect">
-                                  <p:stCondLst>
-                                    <p:cond delay="0"/>
-                                  </p:stCondLst>
-                                  <p:childTnLst>
-                                    <p:set>
-                                      <p:cBhvr>
-                                        <p:cTn id="6" dur="1" fill="hold">
-                                          <p:stCondLst>
-                                            <p:cond delay="0"/>
-                                          </p:stCondLst>
-                                        </p:cTn>
-                                        <p:tgtEl>
-                                          <p:spTgt spid="3">
-                                            <p:txEl>
-                                              <p:pRg st="2" end="2"/>
-                                            </p:txEl>
-                                          </p:spTgt>
-                                        </p:tgtEl>
-                                        <p:attrNameLst>
-                                          <p:attrName>style.visibility</p:attrName>
-                                        </p:attrNameLst>
-                                      </p:cBhvr>
-                                      <p:to>
-                                        <p:strVal val="visible"/>
-                                      </p:to>
-                                    </p:set>
-                                  </p:childTnLst>
-                                </p:cTn>
-                              </p:par>
-                              <p:par>
-                                <p:cTn id="7" presetID="1" presetClass="entr" presetSubtype="0" fill="hold" nodeType="withEffect">
-                                  <p:stCondLst>
-                                    <p:cond delay="0"/>
-                                  </p:stCondLst>
-                                  <p:childTnLst>
-                                    <p:set>
-                                      <p:cBhvr>
-                                        <p:cTn id="8" dur="1" fill="hold">
-                                          <p:stCondLst>
-                                            <p:cond delay="0"/>
-                                          </p:stCondLst>
-                                        </p:cTn>
-                                        <p:tgtEl>
-                                          <p:spTgt spid="3">
-                                            <p:txEl>
-                                              <p:pRg st="3" end="3"/>
-                                            </p:txEl>
-                                          </p:spTgt>
-                                        </p:tgtEl>
-                                        <p:attrNameLst>
-                                          <p:attrName>style.visibility</p:attrName>
-                                        </p:attrNameLst>
-                                      </p:cBhvr>
-                                      <p:to>
-                                        <p:strVal val="visible"/>
-                                      </p:to>
-                                    </p:set>
-                                  </p:childTnLst>
-                                </p:cTn>
-                              </p:par>
-                              <p:par>
-                                <p:cTn id="9" presetID="1" presetClass="entr" presetSubtype="0" fill="hold" nodeType="withEffect">
-                                  <p:stCondLst>
-                                    <p:cond delay="0"/>
-                                  </p:stCondLst>
-                                  <p:childTnLst>
-                                    <p:set>
-                                      <p:cBhvr>
-                                        <p:cTn id="10" dur="1" fill="hold">
-                                          <p:stCondLst>
-                                            <p:cond delay="0"/>
-                                          </p:stCondLst>
-                                        </p:cTn>
-                                        <p:tgtEl>
-                                          <p:spTgt spid="3">
-                                            <p:txEl>
-                                              <p:pRg st="4" end="4"/>
-                                            </p:txEl>
-                                          </p:spTgt>
-                                        </p:tgtEl>
-                                        <p:attrNameLst>
-                                          <p:attrName>style.visibility</p:attrName>
-                                        </p:attrNameLst>
-                                      </p:cBhvr>
-                                      <p:to>
-                                        <p:strVal val="visible"/>
-                                      </p:to>
-                                    </p:set>
-                                  </p:childTnLst>
-                                </p:cTn>
-                              </p:par>
-                            </p:childTnLst>
-                          </p:cTn>
-                        </p:par>
-                      </p:childTnLst>
-                    </p:cTn>
-                  </p:par>
-                  <p:par>
-                    <p:cTn id="11" fill="hold" nodeType="clickPar">
-                      <p:stCondLst>
-                        <p:cond delay="indefinite"/>
-                      </p:stCondLst>
-                      <p:childTnLst>
-                        <p:par>
-                          <p:cTn id="12" fill="hold" nodeType="withGroup">
-                            <p:stCondLst>
-                              <p:cond delay="0"/>
-                            </p:stCondLst>
-                            <p:childTnLst>
-                              <p:par>
-                                <p:cTn id="13" presetID="1" presetClass="entr" presetSubtype="0" fill="hold" nodeType="clickEffect">
-                                  <p:stCondLst>
-                                    <p:cond delay="0"/>
-                                  </p:stCondLst>
-                                  <p:childTnLst>
-                                    <p:set>
-                                      <p:cBhvr>
-                                        <p:cTn id="14" dur="1" fill="hold">
-                                          <p:stCondLst>
-                                            <p:cond delay="0"/>
-                                          </p:stCondLst>
-                                        </p:cTn>
-                                        <p:tgtEl>
-                                          <p:spTgt spid="3">
-                                            <p:txEl>
-                                              <p:pRg st="5" end="5"/>
-                                            </p:txEl>
-                                          </p:spTgt>
-                                        </p:tgtEl>
-                                        <p:attrNameLst>
-                                          <p:attrName>style.visibility</p:attrName>
-                                        </p:attrNameLst>
-                                      </p:cBhvr>
-                                      <p:to>
-                                        <p:strVal val="visible"/>
-                                      </p:to>
-                                    </p:set>
-                                  </p:childTnLst>
-                                </p:cTn>
-                              </p:par>
-                              <p:par>
-                                <p:cTn id="15" presetID="1" presetClass="entr" presetSubtype="0" fill="hold" nodeType="withEffect">
-                                  <p:stCondLst>
-                                    <p:cond delay="0"/>
-                                  </p:stCondLst>
-                                  <p:childTnLst>
-                                    <p:set>
-                                      <p:cBhvr>
-                                        <p:cTn id="16" dur="1" fill="hold">
-                                          <p:stCondLst>
-                                            <p:cond delay="0"/>
-                                          </p:stCondLst>
-                                        </p:cTn>
-                                        <p:tgtEl>
-                                          <p:spTgt spid="3">
-                                            <p:txEl>
-                                              <p:pRg st="6" end="6"/>
-                                            </p:txEl>
-                                          </p:spTgt>
-                                        </p:tgtEl>
-                                        <p:attrNameLst>
-                                          <p:attrName>style.visibility</p:attrName>
-                                        </p:attrNameLst>
-                                      </p:cBhvr>
-                                      <p:to>
-                                        <p:strVal val="visible"/>
-                                      </p:to>
-                                    </p:set>
-                                  </p:childTnLst>
-                                </p:cTn>
-                              </p:par>
-                              <p:par>
-                                <p:cTn id="17" presetID="1" presetClass="entr" presetSubtype="0" fill="hold" nodeType="withEffect">
-                                  <p:stCondLst>
-                                    <p:cond delay="0"/>
-                                  </p:stCondLst>
-                                  <p:childTnLst>
-                                    <p:set>
-                                      <p:cBhvr>
-                                        <p:cTn id="18" dur="1" fill="hold">
-                                          <p:stCondLst>
-                                            <p:cond delay="0"/>
-                                          </p:stCondLst>
-                                        </p:cTn>
-                                        <p:tgtEl>
-                                          <p:spTgt spid="3">
-                                            <p:txEl>
-                                              <p:pRg st="7" end="7"/>
-                                            </p:txEl>
-                                          </p:spTgt>
-                                        </p:tgtEl>
-                                        <p:attrNameLst>
-                                          <p:attrName>style.visibility</p:attrName>
-                                        </p:attrNameLst>
-                                      </p:cBhvr>
-                                      <p:to>
-                                        <p:strVal val="visible"/>
-                                      </p:to>
-                                    </p:set>
-                                  </p:childTnLst>
-                                </p:cTn>
-                              </p:par>
-                            </p:childTnLst>
-                          </p:cTn>
-                        </p:par>
-                      </p:childTnLst>
-                    </p:cTn>
-                  </p:par>
-                </p:childTnLst>
-              </p:cTn>
-              <p:prevCondLst>
-                <p:cond evt="onPrev" delay="0">
-                  <p:tgtEl>
-                    <p:sldTgt/>
-                  </p:tgtEl>
-                </p:cond>
-              </p:prevCondLst>
-              <p:nextCondLst>
-                <p:cond evt="onNext" delay="0">
-                  <p:tgtEl>
-                    <p:sldTgt/>
-                  </p:tgtEl>
-                </p:cond>
-              </p:nextCondLst>
-            </p:seq>
-          </p:childTnLst>
-        </p:cTn>
-      </p:par>
-    </p:tnLst>
-  </p:timing>
-</p:sld>
-</file>
-
-<file path=ppt/slides/slide19.xml><?xml version="1.0" encoding="utf-8"?>
-<p:sld xmlns:a="http://schemas.openxmlformats.org/drawingml/2006/main" xmlns:r="http://schemas.openxmlformats.org/officeDocument/2006/relationships" xmlns:p="http://schemas.openxmlformats.org/presentationml/2006/main">
-  <p:cSld>
-    <p:spTree>
-      <p:nvGrpSpPr>
-        <p:cNvPr id="1" name=""/>
-        <p:cNvGrpSpPr/>
-        <p:nvPr/>
-      </p:nvGrpSpPr>
-      <p:grpSpPr>
-        <a:xfrm>
-          <a:off x="0" y="0"/>
-          <a:ext cx="0" cy="0"/>
-          <a:chOff x="0" y="0"/>
-          <a:chExt cx="0" cy="0"/>
-        </a:xfrm>
-      </p:grpSpPr>
-      <p:sp>
-        <p:nvSpPr>
-          <p:cNvPr id="24578" name="Title 1"/>
-          <p:cNvSpPr>
-            <a:spLocks noGrp="1"/>
-          </p:cNvSpPr>
-          <p:nvPr>
-            <p:ph type="title"/>
-          </p:nvPr>
-        </p:nvSpPr>
-        <p:spPr/>
-        <p:txBody>
-          <a:bodyPr/>
-          <a:lstStyle/>
-          <a:p>
-            <a:r>
-              <a:rPr lang="en-US">
-                <a:latin typeface="Garamond" charset="0"/>
-              </a:rPr>
-              <a:t>Registers</a:t>
-            </a:r>
-          </a:p>
-        </p:txBody>
-      </p:sp>
-      <p:sp>
-        <p:nvSpPr>
-          <p:cNvPr id="24579" name="Content Placeholder 2"/>
-          <p:cNvSpPr>
-            <a:spLocks noGrp="1"/>
-          </p:cNvSpPr>
-          <p:nvPr>
-            <p:ph idx="1"/>
-          </p:nvPr>
-        </p:nvSpPr>
-        <p:spPr/>
-        <p:txBody>
-          <a:bodyPr/>
-          <a:lstStyle/>
-          <a:p>
-            <a:r>
-              <a:rPr lang="en-US">
-                <a:latin typeface="Arial" charset="0"/>
-              </a:rPr>
-              <a:t>Small, fast set of storage locations close to processor</a:t>
-            </a:r>
-          </a:p>
-          <a:p>
-            <a:r>
-              <a:rPr lang="en-US">
-                <a:latin typeface="Arial" charset="0"/>
-              </a:rPr>
-              <a:t>Primarily used for computation, short-term storage</a:t>
-            </a:r>
-          </a:p>
-          <a:p>
-            <a:pPr lvl="1"/>
-            <a:r>
-              <a:rPr lang="en-US">
-                <a:latin typeface="Arial" charset="0"/>
-              </a:rPr>
-              <a:t>Speed </a:t>
-            </a:r>
-            <a:r>
-              <a:rPr lang="en-US">
-                <a:latin typeface="Arial" charset="0"/>
-                <a:sym typeface="Wingdings" charset="0"/>
-              </a:rPr>
-              <a:t> </a:t>
-            </a:r>
-            <a:r>
-              <a:rPr lang="en-US">
-                <a:latin typeface="Arial" charset="0"/>
-              </a:rPr>
-              <a:t>ideal for individual operations</a:t>
-            </a:r>
-          </a:p>
-          <a:p>
-            <a:pPr lvl="1"/>
-            <a:r>
-              <a:rPr lang="en-US">
-                <a:latin typeface="Arial" charset="0"/>
-              </a:rPr>
-              <a:t>Lack of capacity </a:t>
-            </a:r>
-            <a:r>
-              <a:rPr lang="en-US">
-                <a:latin typeface="Arial" charset="0"/>
-                <a:sym typeface="Wingdings" charset="0"/>
-              </a:rPr>
-              <a:t> will frequently overwrite</a:t>
-            </a:r>
-          </a:p>
-          <a:p>
-            <a:r>
-              <a:rPr lang="en-US">
-                <a:latin typeface="Arial" charset="0"/>
-                <a:sym typeface="Wingdings" charset="0"/>
-              </a:rPr>
-              <a:t>Reference registers by name</a:t>
-            </a:r>
-          </a:p>
-          <a:p>
-            <a:pPr lvl="1"/>
-            <a:r>
-              <a:rPr lang="en-US">
-                <a:latin typeface="Arial" charset="0"/>
-                <a:sym typeface="Wingdings" charset="0"/>
-              </a:rPr>
-              <a:t>Example: ADD EAX, EBX  EAX = EAX + EBX</a:t>
-            </a:r>
-          </a:p>
-          <a:p>
-            <a:pPr lvl="1"/>
-            <a:r>
-              <a:rPr lang="en-US">
-                <a:latin typeface="Arial" charset="0"/>
-                <a:sym typeface="Wingdings" charset="0"/>
-              </a:rPr>
-              <a:t>EAX, EBX are registers in x86 architecture</a:t>
-            </a:r>
-            <a:endParaRPr lang="en-US">
-              <a:latin typeface="Arial" charset="0"/>
-            </a:endParaRPr>
-          </a:p>
-        </p:txBody>
-      </p:sp>
-      <p:sp>
-        <p:nvSpPr>
-          <p:cNvPr id="4" name="Date Placeholder 3"/>
-          <p:cNvSpPr>
-            <a:spLocks noGrp="1"/>
-          </p:cNvSpPr>
-          <p:nvPr>
-            <p:ph type="dt" sz="quarter" idx="10"/>
-          </p:nvPr>
-        </p:nvSpPr>
-        <p:spPr/>
-        <p:txBody>
-          <a:bodyPr/>
-          <a:lstStyle>
-            <a:lvl1pPr eaLnBrk="0" hangingPunct="0">
-              <a:defRPr>
-                <a:solidFill>
-                  <a:schemeClr val="tx1"/>
-                </a:solidFill>
-                <a:latin typeface="Arial" charset="0"/>
-                <a:ea typeface="ＭＳ Ｐゴシック" charset="0"/>
-                <a:cs typeface="Arial" charset="0"/>
-              </a:defRPr>
-            </a:lvl1pPr>
-            <a:lvl2pPr marL="742950" indent="-285750" eaLnBrk="0" hangingPunct="0">
-              <a:defRPr>
-                <a:solidFill>
-                  <a:schemeClr val="tx1"/>
-                </a:solidFill>
-                <a:latin typeface="Arial" charset="0"/>
-                <a:ea typeface="Arial" charset="0"/>
-                <a:cs typeface="Arial" charset="0"/>
-              </a:defRPr>
-            </a:lvl2pPr>
-            <a:lvl3pPr marL="1143000" indent="-228600" eaLnBrk="0" hangingPunct="0">
-              <a:defRPr>
-                <a:solidFill>
-                  <a:schemeClr val="tx1"/>
-                </a:solidFill>
-                <a:latin typeface="Arial" charset="0"/>
-                <a:ea typeface="Arial" charset="0"/>
-                <a:cs typeface="Arial" charset="0"/>
-              </a:defRPr>
-            </a:lvl3pPr>
-            <a:lvl4pPr marL="1600200" indent="-228600" eaLnBrk="0" hangingPunct="0">
-              <a:defRPr>
-                <a:solidFill>
-                  <a:schemeClr val="tx1"/>
-                </a:solidFill>
-                <a:latin typeface="Arial" charset="0"/>
-                <a:ea typeface="Arial" charset="0"/>
-                <a:cs typeface="Arial" charset="0"/>
-              </a:defRPr>
-            </a:lvl4pPr>
-            <a:lvl5pPr marL="2057400" indent="-228600" eaLnBrk="0" hangingPunct="0">
-              <a:defRPr>
-                <a:solidFill>
-                  <a:schemeClr val="tx1"/>
-                </a:solidFill>
-                <a:latin typeface="Arial" charset="0"/>
-                <a:ea typeface="Arial" charset="0"/>
-                <a:cs typeface="Arial" charset="0"/>
-              </a:defRPr>
-            </a:lvl5pPr>
-            <a:lvl6pPr marL="2514600" indent="-228600" eaLnBrk="0" fontAlgn="base" hangingPunct="0">
-              <a:spcBef>
-                <a:spcPct val="0"/>
-              </a:spcBef>
-              <a:spcAft>
-                <a:spcPct val="0"/>
-              </a:spcAft>
-              <a:defRPr>
-                <a:solidFill>
-                  <a:schemeClr val="tx1"/>
-                </a:solidFill>
-                <a:latin typeface="Arial" charset="0"/>
-                <a:ea typeface="Arial" charset="0"/>
-                <a:cs typeface="Arial" charset="0"/>
-              </a:defRPr>
-            </a:lvl6pPr>
-            <a:lvl7pPr marL="2971800" indent="-228600" eaLnBrk="0" fontAlgn="base" hangingPunct="0">
-              <a:spcBef>
-                <a:spcPct val="0"/>
-              </a:spcBef>
-              <a:spcAft>
-                <a:spcPct val="0"/>
-              </a:spcAft>
-              <a:defRPr>
-                <a:solidFill>
-                  <a:schemeClr val="tx1"/>
-                </a:solidFill>
-                <a:latin typeface="Arial" charset="0"/>
-                <a:ea typeface="Arial" charset="0"/>
-                <a:cs typeface="Arial" charset="0"/>
-              </a:defRPr>
-            </a:lvl7pPr>
-            <a:lvl8pPr marL="3429000" indent="-228600" eaLnBrk="0" fontAlgn="base" hangingPunct="0">
-              <a:spcBef>
-                <a:spcPct val="0"/>
-              </a:spcBef>
-              <a:spcAft>
-                <a:spcPct val="0"/>
-              </a:spcAft>
-              <a:defRPr>
-                <a:solidFill>
-                  <a:schemeClr val="tx1"/>
-                </a:solidFill>
-                <a:latin typeface="Arial" charset="0"/>
-                <a:ea typeface="Arial" charset="0"/>
-                <a:cs typeface="Arial" charset="0"/>
-              </a:defRPr>
-            </a:lvl8pPr>
-            <a:lvl9pPr marL="3886200" indent="-228600" eaLnBrk="0" fontAlgn="base" hangingPunct="0">
-              <a:spcBef>
-                <a:spcPct val="0"/>
-              </a:spcBef>
-              <a:spcAft>
-                <a:spcPct val="0"/>
-              </a:spcAft>
-              <a:defRPr>
-                <a:solidFill>
-                  <a:schemeClr val="tx1"/>
-                </a:solidFill>
-                <a:latin typeface="Arial" charset="0"/>
-                <a:ea typeface="Arial" charset="0"/>
-                <a:cs typeface="Arial" charset="0"/>
-              </a:defRPr>
-            </a:lvl9pPr>
-          </a:lstStyle>
-          <a:p>
-            <a:pPr eaLnBrk="1" hangingPunct="1"/>
-            <a:fld id="{5CFE874A-6577-1A4F-9AFD-857AC8ED032F}" type="datetime1">
-              <a:rPr lang="en-US">
-                <a:latin typeface="Garamond" charset="0"/>
-              </a:rPr>
-              <a:pPr eaLnBrk="1" hangingPunct="1"/>
-              <a:t>9/2/15</a:t>
-            </a:fld>
-            <a:endParaRPr lang="en-US">
-              <a:latin typeface="Garamond" charset="0"/>
-            </a:endParaRPr>
-          </a:p>
-        </p:txBody>
-      </p:sp>
-      <p:sp>
-        <p:nvSpPr>
-          <p:cNvPr id="5" name="Footer Placeholder 4"/>
-          <p:cNvSpPr>
-            <a:spLocks noGrp="1"/>
-          </p:cNvSpPr>
-          <p:nvPr>
-            <p:ph type="ftr" sz="quarter" idx="11"/>
-          </p:nvPr>
-        </p:nvSpPr>
-        <p:spPr/>
-        <p:txBody>
-          <a:bodyPr/>
-          <a:lstStyle/>
-          <a:p>
-            <a:pPr>
-              <a:defRPr/>
-            </a:pPr>
-            <a:r>
-              <a:rPr lang="en-US" altLang="en-US"/>
-              <a:t>Microprocessors I:  Lecture 2</a:t>
-            </a:r>
-          </a:p>
-        </p:txBody>
-      </p:sp>
-      <p:sp>
-        <p:nvSpPr>
-          <p:cNvPr id="6" name="Slide Number Placeholder 5"/>
-          <p:cNvSpPr>
-            <a:spLocks noGrp="1"/>
-          </p:cNvSpPr>
-          <p:nvPr>
-            <p:ph type="sldNum" sz="quarter" idx="12"/>
-          </p:nvPr>
-        </p:nvSpPr>
-        <p:spPr/>
-        <p:txBody>
-          <a:bodyPr/>
-          <a:lstStyle>
-            <a:lvl1pPr eaLnBrk="0" hangingPunct="0">
-              <a:defRPr>
-                <a:solidFill>
-                  <a:schemeClr val="tx1"/>
-                </a:solidFill>
-                <a:latin typeface="Arial" charset="0"/>
-                <a:ea typeface="ＭＳ Ｐゴシック" charset="0"/>
-                <a:cs typeface="Arial" charset="0"/>
-              </a:defRPr>
-            </a:lvl1pPr>
-            <a:lvl2pPr marL="742950" indent="-285750" eaLnBrk="0" hangingPunct="0">
-              <a:defRPr>
-                <a:solidFill>
-                  <a:schemeClr val="tx1"/>
-                </a:solidFill>
-                <a:latin typeface="Arial" charset="0"/>
-                <a:ea typeface="Arial" charset="0"/>
-                <a:cs typeface="Arial" charset="0"/>
-              </a:defRPr>
-            </a:lvl2pPr>
-            <a:lvl3pPr marL="1143000" indent="-228600" eaLnBrk="0" hangingPunct="0">
-              <a:defRPr>
-                <a:solidFill>
-                  <a:schemeClr val="tx1"/>
-                </a:solidFill>
-                <a:latin typeface="Arial" charset="0"/>
-                <a:ea typeface="Arial" charset="0"/>
-                <a:cs typeface="Arial" charset="0"/>
-              </a:defRPr>
-            </a:lvl3pPr>
-            <a:lvl4pPr marL="1600200" indent="-228600" eaLnBrk="0" hangingPunct="0">
-              <a:defRPr>
-                <a:solidFill>
-                  <a:schemeClr val="tx1"/>
-                </a:solidFill>
-                <a:latin typeface="Arial" charset="0"/>
-                <a:ea typeface="Arial" charset="0"/>
-                <a:cs typeface="Arial" charset="0"/>
-              </a:defRPr>
-            </a:lvl4pPr>
-            <a:lvl5pPr marL="2057400" indent="-228600" eaLnBrk="0" hangingPunct="0">
-              <a:defRPr>
-                <a:solidFill>
-                  <a:schemeClr val="tx1"/>
-                </a:solidFill>
-                <a:latin typeface="Arial" charset="0"/>
-                <a:ea typeface="Arial" charset="0"/>
-                <a:cs typeface="Arial" charset="0"/>
-              </a:defRPr>
-            </a:lvl5pPr>
-            <a:lvl6pPr marL="2514600" indent="-228600" eaLnBrk="0" fontAlgn="base" hangingPunct="0">
-              <a:spcBef>
-                <a:spcPct val="0"/>
-              </a:spcBef>
-              <a:spcAft>
-                <a:spcPct val="0"/>
-              </a:spcAft>
-              <a:defRPr>
-                <a:solidFill>
-                  <a:schemeClr val="tx1"/>
-                </a:solidFill>
-                <a:latin typeface="Arial" charset="0"/>
-                <a:ea typeface="Arial" charset="0"/>
-                <a:cs typeface="Arial" charset="0"/>
-              </a:defRPr>
-            </a:lvl6pPr>
-            <a:lvl7pPr marL="2971800" indent="-228600" eaLnBrk="0" fontAlgn="base" hangingPunct="0">
-              <a:spcBef>
-                <a:spcPct val="0"/>
-              </a:spcBef>
-              <a:spcAft>
-                <a:spcPct val="0"/>
-              </a:spcAft>
-              <a:defRPr>
-                <a:solidFill>
-                  <a:schemeClr val="tx1"/>
-                </a:solidFill>
-                <a:latin typeface="Arial" charset="0"/>
-                <a:ea typeface="Arial" charset="0"/>
-                <a:cs typeface="Arial" charset="0"/>
-              </a:defRPr>
-            </a:lvl7pPr>
-            <a:lvl8pPr marL="3429000" indent="-228600" eaLnBrk="0" fontAlgn="base" hangingPunct="0">
-              <a:spcBef>
-                <a:spcPct val="0"/>
-              </a:spcBef>
-              <a:spcAft>
-                <a:spcPct val="0"/>
-              </a:spcAft>
-              <a:defRPr>
-                <a:solidFill>
-                  <a:schemeClr val="tx1"/>
-                </a:solidFill>
-                <a:latin typeface="Arial" charset="0"/>
-                <a:ea typeface="Arial" charset="0"/>
-                <a:cs typeface="Arial" charset="0"/>
-              </a:defRPr>
-            </a:lvl8pPr>
-            <a:lvl9pPr marL="3886200" indent="-228600" eaLnBrk="0" fontAlgn="base" hangingPunct="0">
-              <a:spcBef>
-                <a:spcPct val="0"/>
-              </a:spcBef>
-              <a:spcAft>
-                <a:spcPct val="0"/>
-              </a:spcAft>
-              <a:defRPr>
-                <a:solidFill>
-                  <a:schemeClr val="tx1"/>
-                </a:solidFill>
-                <a:latin typeface="Arial" charset="0"/>
-                <a:ea typeface="Arial" charset="0"/>
-                <a:cs typeface="Arial" charset="0"/>
-              </a:defRPr>
-            </a:lvl9pPr>
-          </a:lstStyle>
-          <a:p>
-            <a:pPr eaLnBrk="1" hangingPunct="1"/>
-            <a:fld id="{814A38FA-B024-024F-A3BF-8EF30399A006}" type="slidenum">
-              <a:rPr lang="en-US">
-                <a:latin typeface="Garamond" charset="0"/>
-              </a:rPr>
-              <a:pPr eaLnBrk="1" hangingPunct="1"/>
-              <a:t>19</a:t>
             </a:fld>
             <a:endParaRPr lang="en-US">
               <a:latin typeface="Garamond" charset="0"/>
@@ -15763,7 +15080,7 @@
                 <a:latin typeface="Garamond" charset="0"/>
               </a:rPr>
               <a:pPr eaLnBrk="1" hangingPunct="1"/>
-              <a:t>9/2/15</a:t>
+              <a:t>9/7/15</a:t>
             </a:fld>
             <a:endParaRPr lang="en-US">
               <a:latin typeface="Garamond" charset="0"/>
@@ -15934,1435 +15251,6 @@
               </a:rPr>
               <a:pPr eaLnBrk="1" hangingPunct="1"/>
               <a:t>2</a:t>
-            </a:fld>
-            <a:endParaRPr lang="en-US">
-              <a:latin typeface="Garamond" charset="0"/>
-            </a:endParaRPr>
-          </a:p>
-        </p:txBody>
-      </p:sp>
-    </p:spTree>
-  </p:cSld>
-  <p:clrMapOvr>
-    <a:masterClrMapping/>
-  </p:clrMapOvr>
-  <p:timing>
-    <p:tnLst>
-      <p:par>
-        <p:cTn xmlns:p14="http://schemas.microsoft.com/office/powerpoint/2010/main" id="1" dur="indefinite" restart="never" nodeType="tmRoot"/>
-      </p:par>
-    </p:tnLst>
-  </p:timing>
-</p:sld>
-</file>
-
-<file path=ppt/slides/slide20.xml><?xml version="1.0" encoding="utf-8"?>
-<p:sld xmlns:a="http://schemas.openxmlformats.org/drawingml/2006/main" xmlns:r="http://schemas.openxmlformats.org/officeDocument/2006/relationships" xmlns:p="http://schemas.openxmlformats.org/presentationml/2006/main">
-  <p:cSld>
-    <p:spTree>
-      <p:nvGrpSpPr>
-        <p:cNvPr id="1" name=""/>
-        <p:cNvGrpSpPr/>
-        <p:nvPr/>
-      </p:nvGrpSpPr>
-      <p:grpSpPr>
-        <a:xfrm>
-          <a:off x="0" y="0"/>
-          <a:ext cx="0" cy="0"/>
-          <a:chOff x="0" y="0"/>
-          <a:chExt cx="0" cy="0"/>
-        </a:xfrm>
-      </p:grpSpPr>
-      <p:sp>
-        <p:nvSpPr>
-          <p:cNvPr id="25602" name="Title 1"/>
-          <p:cNvSpPr>
-            <a:spLocks noGrp="1"/>
-          </p:cNvSpPr>
-          <p:nvPr>
-            <p:ph type="title"/>
-          </p:nvPr>
-        </p:nvSpPr>
-        <p:spPr/>
-        <p:txBody>
-          <a:bodyPr/>
-          <a:lstStyle/>
-          <a:p>
-            <a:r>
-              <a:rPr lang="en-US">
-                <a:latin typeface="Garamond" charset="0"/>
-              </a:rPr>
-              <a:t>Memory</a:t>
-            </a:r>
-          </a:p>
-        </p:txBody>
-      </p:sp>
-      <p:sp>
-        <p:nvSpPr>
-          <p:cNvPr id="3" name="Content Placeholder 2"/>
-          <p:cNvSpPr>
-            <a:spLocks noGrp="1"/>
-          </p:cNvSpPr>
-          <p:nvPr>
-            <p:ph idx="1"/>
-          </p:nvPr>
-        </p:nvSpPr>
-        <p:spPr/>
-        <p:txBody>
-          <a:bodyPr/>
-          <a:lstStyle/>
-          <a:p>
-            <a:pPr>
-              <a:buFont typeface="Wingdings" charset="2"/>
-              <a:buChar char="n"/>
-              <a:defRPr/>
-            </a:pPr>
-            <a:r>
-              <a:rPr lang="en-US" dirty="0" smtClean="0">
-                <a:ea typeface="+mn-ea"/>
-              </a:rPr>
-              <a:t>Provides enough capacity for all code, data (possibly I/O as well)</a:t>
-            </a:r>
-          </a:p>
-          <a:p>
-            <a:pPr>
-              <a:buFont typeface="Wingdings" charset="2"/>
-              <a:buChar char="n"/>
-              <a:defRPr/>
-            </a:pPr>
-            <a:r>
-              <a:rPr lang="en-US" dirty="0" smtClean="0">
-                <a:ea typeface="+mn-ea"/>
-              </a:rPr>
-              <a:t>Typically organized as hierarchy</a:t>
-            </a:r>
-          </a:p>
-          <a:p>
-            <a:pPr>
-              <a:buFont typeface="Wingdings" charset="2"/>
-              <a:buChar char="n"/>
-              <a:defRPr/>
-            </a:pPr>
-            <a:r>
-              <a:rPr lang="en-US" dirty="0" smtClean="0">
-                <a:ea typeface="+mn-ea"/>
-              </a:rPr>
-              <a:t>Used primarily for long-term storage</a:t>
-            </a:r>
-          </a:p>
-          <a:p>
-            <a:pPr lvl="1">
-              <a:buFont typeface="Wingdings" charset="2"/>
-              <a:buChar char="q"/>
-              <a:defRPr/>
-            </a:pPr>
-            <a:r>
-              <a:rPr lang="en-US" dirty="0" smtClean="0"/>
-              <a:t>Lacks speed of registers</a:t>
-            </a:r>
-          </a:p>
-          <a:p>
-            <a:pPr lvl="1">
-              <a:buFont typeface="Wingdings" charset="2"/>
-              <a:buChar char="q"/>
-              <a:defRPr/>
-            </a:pPr>
-            <a:r>
-              <a:rPr lang="en-US" dirty="0" smtClean="0"/>
-              <a:t>Provides capacity to ensure data not overwritten</a:t>
-            </a:r>
-          </a:p>
-          <a:p>
-            <a:pPr>
-              <a:buFont typeface="Wingdings" charset="2"/>
-              <a:buChar char="n"/>
-              <a:defRPr/>
-            </a:pPr>
-            <a:r>
-              <a:rPr lang="en-US" dirty="0" smtClean="0">
-                <a:ea typeface="+mn-ea"/>
-              </a:rPr>
-              <a:t>Reference memory by address</a:t>
-            </a:r>
-          </a:p>
-          <a:p>
-            <a:pPr lvl="1">
-              <a:buFont typeface="Wingdings" charset="2"/>
-              <a:buChar char="q"/>
-              <a:defRPr/>
-            </a:pPr>
-            <a:r>
-              <a:rPr lang="en-US" dirty="0" smtClean="0"/>
-              <a:t>Example: MOV EAX, DS:[100H] </a:t>
-            </a:r>
-          </a:p>
-          <a:p>
-            <a:pPr marL="344487" lvl="1" indent="0">
-              <a:buFont typeface="Wingdings" charset="2"/>
-              <a:buNone/>
-              <a:defRPr/>
-            </a:pPr>
-            <a:r>
-              <a:rPr lang="en-US" dirty="0">
-                <a:sym typeface="Wingdings" pitchFamily="2" charset="2"/>
-              </a:rPr>
-              <a:t>	</a:t>
-            </a:r>
-            <a:r>
-              <a:rPr lang="en-US" dirty="0" smtClean="0">
-                <a:sym typeface="Wingdings" pitchFamily="2" charset="2"/>
-              </a:rPr>
-              <a:t> EAX = memory at address DS:[100H]</a:t>
-            </a:r>
-          </a:p>
-        </p:txBody>
-      </p:sp>
-      <p:sp>
-        <p:nvSpPr>
-          <p:cNvPr id="4" name="Date Placeholder 3"/>
-          <p:cNvSpPr>
-            <a:spLocks noGrp="1"/>
-          </p:cNvSpPr>
-          <p:nvPr>
-            <p:ph type="dt" sz="quarter" idx="10"/>
-          </p:nvPr>
-        </p:nvSpPr>
-        <p:spPr/>
-        <p:txBody>
-          <a:bodyPr/>
-          <a:lstStyle>
-            <a:lvl1pPr eaLnBrk="0" hangingPunct="0">
-              <a:defRPr>
-                <a:solidFill>
-                  <a:schemeClr val="tx1"/>
-                </a:solidFill>
-                <a:latin typeface="Arial" charset="0"/>
-                <a:ea typeface="ＭＳ Ｐゴシック" charset="0"/>
-                <a:cs typeface="Arial" charset="0"/>
-              </a:defRPr>
-            </a:lvl1pPr>
-            <a:lvl2pPr marL="742950" indent="-285750" eaLnBrk="0" hangingPunct="0">
-              <a:defRPr>
-                <a:solidFill>
-                  <a:schemeClr val="tx1"/>
-                </a:solidFill>
-                <a:latin typeface="Arial" charset="0"/>
-                <a:ea typeface="Arial" charset="0"/>
-                <a:cs typeface="Arial" charset="0"/>
-              </a:defRPr>
-            </a:lvl2pPr>
-            <a:lvl3pPr marL="1143000" indent="-228600" eaLnBrk="0" hangingPunct="0">
-              <a:defRPr>
-                <a:solidFill>
-                  <a:schemeClr val="tx1"/>
-                </a:solidFill>
-                <a:latin typeface="Arial" charset="0"/>
-                <a:ea typeface="Arial" charset="0"/>
-                <a:cs typeface="Arial" charset="0"/>
-              </a:defRPr>
-            </a:lvl3pPr>
-            <a:lvl4pPr marL="1600200" indent="-228600" eaLnBrk="0" hangingPunct="0">
-              <a:defRPr>
-                <a:solidFill>
-                  <a:schemeClr val="tx1"/>
-                </a:solidFill>
-                <a:latin typeface="Arial" charset="0"/>
-                <a:ea typeface="Arial" charset="0"/>
-                <a:cs typeface="Arial" charset="0"/>
-              </a:defRPr>
-            </a:lvl4pPr>
-            <a:lvl5pPr marL="2057400" indent="-228600" eaLnBrk="0" hangingPunct="0">
-              <a:defRPr>
-                <a:solidFill>
-                  <a:schemeClr val="tx1"/>
-                </a:solidFill>
-                <a:latin typeface="Arial" charset="0"/>
-                <a:ea typeface="Arial" charset="0"/>
-                <a:cs typeface="Arial" charset="0"/>
-              </a:defRPr>
-            </a:lvl5pPr>
-            <a:lvl6pPr marL="2514600" indent="-228600" eaLnBrk="0" fontAlgn="base" hangingPunct="0">
-              <a:spcBef>
-                <a:spcPct val="0"/>
-              </a:spcBef>
-              <a:spcAft>
-                <a:spcPct val="0"/>
-              </a:spcAft>
-              <a:defRPr>
-                <a:solidFill>
-                  <a:schemeClr val="tx1"/>
-                </a:solidFill>
-                <a:latin typeface="Arial" charset="0"/>
-                <a:ea typeface="Arial" charset="0"/>
-                <a:cs typeface="Arial" charset="0"/>
-              </a:defRPr>
-            </a:lvl6pPr>
-            <a:lvl7pPr marL="2971800" indent="-228600" eaLnBrk="0" fontAlgn="base" hangingPunct="0">
-              <a:spcBef>
-                <a:spcPct val="0"/>
-              </a:spcBef>
-              <a:spcAft>
-                <a:spcPct val="0"/>
-              </a:spcAft>
-              <a:defRPr>
-                <a:solidFill>
-                  <a:schemeClr val="tx1"/>
-                </a:solidFill>
-                <a:latin typeface="Arial" charset="0"/>
-                <a:ea typeface="Arial" charset="0"/>
-                <a:cs typeface="Arial" charset="0"/>
-              </a:defRPr>
-            </a:lvl7pPr>
-            <a:lvl8pPr marL="3429000" indent="-228600" eaLnBrk="0" fontAlgn="base" hangingPunct="0">
-              <a:spcBef>
-                <a:spcPct val="0"/>
-              </a:spcBef>
-              <a:spcAft>
-                <a:spcPct val="0"/>
-              </a:spcAft>
-              <a:defRPr>
-                <a:solidFill>
-                  <a:schemeClr val="tx1"/>
-                </a:solidFill>
-                <a:latin typeface="Arial" charset="0"/>
-                <a:ea typeface="Arial" charset="0"/>
-                <a:cs typeface="Arial" charset="0"/>
-              </a:defRPr>
-            </a:lvl8pPr>
-            <a:lvl9pPr marL="3886200" indent="-228600" eaLnBrk="0" fontAlgn="base" hangingPunct="0">
-              <a:spcBef>
-                <a:spcPct val="0"/>
-              </a:spcBef>
-              <a:spcAft>
-                <a:spcPct val="0"/>
-              </a:spcAft>
-              <a:defRPr>
-                <a:solidFill>
-                  <a:schemeClr val="tx1"/>
-                </a:solidFill>
-                <a:latin typeface="Arial" charset="0"/>
-                <a:ea typeface="Arial" charset="0"/>
-                <a:cs typeface="Arial" charset="0"/>
-              </a:defRPr>
-            </a:lvl9pPr>
-          </a:lstStyle>
-          <a:p>
-            <a:pPr eaLnBrk="1" hangingPunct="1"/>
-            <a:fld id="{38F976D1-0609-4E41-8451-89DC34B24622}" type="datetime1">
-              <a:rPr lang="en-US">
-                <a:latin typeface="Garamond" charset="0"/>
-              </a:rPr>
-              <a:pPr eaLnBrk="1" hangingPunct="1"/>
-              <a:t>9/2/15</a:t>
-            </a:fld>
-            <a:endParaRPr lang="en-US">
-              <a:latin typeface="Garamond" charset="0"/>
-            </a:endParaRPr>
-          </a:p>
-        </p:txBody>
-      </p:sp>
-      <p:sp>
-        <p:nvSpPr>
-          <p:cNvPr id="5" name="Footer Placeholder 4"/>
-          <p:cNvSpPr>
-            <a:spLocks noGrp="1"/>
-          </p:cNvSpPr>
-          <p:nvPr>
-            <p:ph type="ftr" sz="quarter" idx="11"/>
-          </p:nvPr>
-        </p:nvSpPr>
-        <p:spPr/>
-        <p:txBody>
-          <a:bodyPr/>
-          <a:lstStyle/>
-          <a:p>
-            <a:pPr>
-              <a:defRPr/>
-            </a:pPr>
-            <a:r>
-              <a:rPr lang="en-US" altLang="en-US"/>
-              <a:t>Microprocessors I:  Lecture 2</a:t>
-            </a:r>
-          </a:p>
-        </p:txBody>
-      </p:sp>
-      <p:sp>
-        <p:nvSpPr>
-          <p:cNvPr id="6" name="Slide Number Placeholder 5"/>
-          <p:cNvSpPr>
-            <a:spLocks noGrp="1"/>
-          </p:cNvSpPr>
-          <p:nvPr>
-            <p:ph type="sldNum" sz="quarter" idx="12"/>
-          </p:nvPr>
-        </p:nvSpPr>
-        <p:spPr/>
-        <p:txBody>
-          <a:bodyPr/>
-          <a:lstStyle>
-            <a:lvl1pPr eaLnBrk="0" hangingPunct="0">
-              <a:defRPr>
-                <a:solidFill>
-                  <a:schemeClr val="tx1"/>
-                </a:solidFill>
-                <a:latin typeface="Arial" charset="0"/>
-                <a:ea typeface="ＭＳ Ｐゴシック" charset="0"/>
-                <a:cs typeface="Arial" charset="0"/>
-              </a:defRPr>
-            </a:lvl1pPr>
-            <a:lvl2pPr marL="742950" indent="-285750" eaLnBrk="0" hangingPunct="0">
-              <a:defRPr>
-                <a:solidFill>
-                  <a:schemeClr val="tx1"/>
-                </a:solidFill>
-                <a:latin typeface="Arial" charset="0"/>
-                <a:ea typeface="Arial" charset="0"/>
-                <a:cs typeface="Arial" charset="0"/>
-              </a:defRPr>
-            </a:lvl2pPr>
-            <a:lvl3pPr marL="1143000" indent="-228600" eaLnBrk="0" hangingPunct="0">
-              <a:defRPr>
-                <a:solidFill>
-                  <a:schemeClr val="tx1"/>
-                </a:solidFill>
-                <a:latin typeface="Arial" charset="0"/>
-                <a:ea typeface="Arial" charset="0"/>
-                <a:cs typeface="Arial" charset="0"/>
-              </a:defRPr>
-            </a:lvl3pPr>
-            <a:lvl4pPr marL="1600200" indent="-228600" eaLnBrk="0" hangingPunct="0">
-              <a:defRPr>
-                <a:solidFill>
-                  <a:schemeClr val="tx1"/>
-                </a:solidFill>
-                <a:latin typeface="Arial" charset="0"/>
-                <a:ea typeface="Arial" charset="0"/>
-                <a:cs typeface="Arial" charset="0"/>
-              </a:defRPr>
-            </a:lvl4pPr>
-            <a:lvl5pPr marL="2057400" indent="-228600" eaLnBrk="0" hangingPunct="0">
-              <a:defRPr>
-                <a:solidFill>
-                  <a:schemeClr val="tx1"/>
-                </a:solidFill>
-                <a:latin typeface="Arial" charset="0"/>
-                <a:ea typeface="Arial" charset="0"/>
-                <a:cs typeface="Arial" charset="0"/>
-              </a:defRPr>
-            </a:lvl5pPr>
-            <a:lvl6pPr marL="2514600" indent="-228600" eaLnBrk="0" fontAlgn="base" hangingPunct="0">
-              <a:spcBef>
-                <a:spcPct val="0"/>
-              </a:spcBef>
-              <a:spcAft>
-                <a:spcPct val="0"/>
-              </a:spcAft>
-              <a:defRPr>
-                <a:solidFill>
-                  <a:schemeClr val="tx1"/>
-                </a:solidFill>
-                <a:latin typeface="Arial" charset="0"/>
-                <a:ea typeface="Arial" charset="0"/>
-                <a:cs typeface="Arial" charset="0"/>
-              </a:defRPr>
-            </a:lvl6pPr>
-            <a:lvl7pPr marL="2971800" indent="-228600" eaLnBrk="0" fontAlgn="base" hangingPunct="0">
-              <a:spcBef>
-                <a:spcPct val="0"/>
-              </a:spcBef>
-              <a:spcAft>
-                <a:spcPct val="0"/>
-              </a:spcAft>
-              <a:defRPr>
-                <a:solidFill>
-                  <a:schemeClr val="tx1"/>
-                </a:solidFill>
-                <a:latin typeface="Arial" charset="0"/>
-                <a:ea typeface="Arial" charset="0"/>
-                <a:cs typeface="Arial" charset="0"/>
-              </a:defRPr>
-            </a:lvl7pPr>
-            <a:lvl8pPr marL="3429000" indent="-228600" eaLnBrk="0" fontAlgn="base" hangingPunct="0">
-              <a:spcBef>
-                <a:spcPct val="0"/>
-              </a:spcBef>
-              <a:spcAft>
-                <a:spcPct val="0"/>
-              </a:spcAft>
-              <a:defRPr>
-                <a:solidFill>
-                  <a:schemeClr val="tx1"/>
-                </a:solidFill>
-                <a:latin typeface="Arial" charset="0"/>
-                <a:ea typeface="Arial" charset="0"/>
-                <a:cs typeface="Arial" charset="0"/>
-              </a:defRPr>
-            </a:lvl8pPr>
-            <a:lvl9pPr marL="3886200" indent="-228600" eaLnBrk="0" fontAlgn="base" hangingPunct="0">
-              <a:spcBef>
-                <a:spcPct val="0"/>
-              </a:spcBef>
-              <a:spcAft>
-                <a:spcPct val="0"/>
-              </a:spcAft>
-              <a:defRPr>
-                <a:solidFill>
-                  <a:schemeClr val="tx1"/>
-                </a:solidFill>
-                <a:latin typeface="Arial" charset="0"/>
-                <a:ea typeface="Arial" charset="0"/>
-                <a:cs typeface="Arial" charset="0"/>
-              </a:defRPr>
-            </a:lvl9pPr>
-          </a:lstStyle>
-          <a:p>
-            <a:pPr eaLnBrk="1" hangingPunct="1"/>
-            <a:fld id="{F7AA1D4B-4158-8548-8C3B-25444E0E7735}" type="slidenum">
-              <a:rPr lang="en-US">
-                <a:latin typeface="Garamond" charset="0"/>
-              </a:rPr>
-              <a:pPr eaLnBrk="1" hangingPunct="1"/>
-              <a:t>20</a:t>
-            </a:fld>
-            <a:endParaRPr lang="en-US">
-              <a:latin typeface="Garamond" charset="0"/>
-            </a:endParaRPr>
-          </a:p>
-        </p:txBody>
-      </p:sp>
-    </p:spTree>
-  </p:cSld>
-  <p:clrMapOvr>
-    <a:masterClrMapping/>
-  </p:clrMapOvr>
-  <p:timing>
-    <p:tnLst>
-      <p:par>
-        <p:cTn xmlns:p14="http://schemas.microsoft.com/office/powerpoint/2010/main" id="1" dur="indefinite" restart="never" nodeType="tmRoot"/>
-      </p:par>
-    </p:tnLst>
-  </p:timing>
-</p:sld>
-</file>
-
-<file path=ppt/slides/slide21.xml><?xml version="1.0" encoding="utf-8"?>
-<p:sld xmlns:a="http://schemas.openxmlformats.org/drawingml/2006/main" xmlns:r="http://schemas.openxmlformats.org/officeDocument/2006/relationships" xmlns:p="http://schemas.openxmlformats.org/presentationml/2006/main">
-  <p:cSld>
-    <p:spTree>
-      <p:nvGrpSpPr>
-        <p:cNvPr id="1" name=""/>
-        <p:cNvGrpSpPr/>
-        <p:nvPr/>
-      </p:nvGrpSpPr>
-      <p:grpSpPr>
-        <a:xfrm>
-          <a:off x="0" y="0"/>
-          <a:ext cx="0" cy="0"/>
-          <a:chOff x="0" y="0"/>
-          <a:chExt cx="0" cy="0"/>
-        </a:xfrm>
-      </p:grpSpPr>
-      <p:sp>
-        <p:nvSpPr>
-          <p:cNvPr id="26626" name="Title 1"/>
-          <p:cNvSpPr>
-            <a:spLocks noGrp="1"/>
-          </p:cNvSpPr>
-          <p:nvPr>
-            <p:ph type="title"/>
-          </p:nvPr>
-        </p:nvSpPr>
-        <p:spPr/>
-        <p:txBody>
-          <a:bodyPr/>
-          <a:lstStyle/>
-          <a:p>
-            <a:r>
-              <a:rPr lang="en-US">
-                <a:latin typeface="Garamond" charset="0"/>
-              </a:rPr>
-              <a:t>Memory (continued)</a:t>
-            </a:r>
-          </a:p>
-        </p:txBody>
-      </p:sp>
-      <p:sp>
-        <p:nvSpPr>
-          <p:cNvPr id="26627" name="Content Placeholder 2"/>
-          <p:cNvSpPr>
-            <a:spLocks noGrp="1"/>
-          </p:cNvSpPr>
-          <p:nvPr>
-            <p:ph idx="1"/>
-          </p:nvPr>
-        </p:nvSpPr>
-        <p:spPr/>
-        <p:txBody>
-          <a:bodyPr/>
-          <a:lstStyle/>
-          <a:p>
-            <a:r>
-              <a:rPr lang="en-US">
-                <a:latin typeface="Arial" charset="0"/>
-              </a:rPr>
-              <a:t>Accessing single byte is easy</a:t>
-            </a:r>
-          </a:p>
-          <a:p>
-            <a:r>
-              <a:rPr lang="en-US">
-                <a:latin typeface="Arial" charset="0"/>
-              </a:rPr>
-              <a:t>Considerations with multi-byte data</a:t>
-            </a:r>
-          </a:p>
-          <a:p>
-            <a:pPr lvl="1"/>
-            <a:r>
-              <a:rPr lang="en-US">
-                <a:latin typeface="Arial" charset="0"/>
-              </a:rPr>
-              <a:t>Are the data </a:t>
-            </a:r>
-            <a:r>
-              <a:rPr lang="en-US">
-                <a:solidFill>
-                  <a:srgbClr val="FF0000"/>
-                </a:solidFill>
-                <a:latin typeface="Arial" charset="0"/>
-              </a:rPr>
-              <a:t>aligned</a:t>
-            </a:r>
-            <a:r>
-              <a:rPr lang="en-US">
-                <a:latin typeface="Arial" charset="0"/>
-              </a:rPr>
-              <a:t>?</a:t>
-            </a:r>
-          </a:p>
-          <a:p>
-            <a:pPr lvl="2"/>
-            <a:r>
-              <a:rPr lang="en-US">
-                <a:latin typeface="Arial" charset="0"/>
-              </a:rPr>
-              <a:t>Easier/faster to access aligned data</a:t>
-            </a:r>
-          </a:p>
-          <a:p>
-            <a:pPr lvl="1"/>
-            <a:r>
-              <a:rPr lang="en-US">
-                <a:latin typeface="Arial" charset="0"/>
-              </a:rPr>
-              <a:t>How are the data organized in memory (“</a:t>
-            </a:r>
-            <a:r>
-              <a:rPr lang="en-US">
-                <a:solidFill>
-                  <a:srgbClr val="FF0000"/>
-                </a:solidFill>
-                <a:latin typeface="Arial" charset="0"/>
-              </a:rPr>
-              <a:t>endianness</a:t>
-            </a:r>
-            <a:r>
-              <a:rPr lang="en-US">
-                <a:latin typeface="Arial" charset="0"/>
-              </a:rPr>
-              <a:t>”)?</a:t>
-            </a:r>
-          </a:p>
-          <a:p>
-            <a:pPr lvl="2"/>
-            <a:r>
-              <a:rPr lang="en-US">
-                <a:latin typeface="Arial" charset="0"/>
-              </a:rPr>
-              <a:t>Given 32-bit number: DEADBEEFH or 0xDEADBEEF</a:t>
-            </a:r>
-          </a:p>
-          <a:p>
-            <a:pPr lvl="2"/>
-            <a:r>
-              <a:rPr lang="en-US">
-                <a:latin typeface="Arial" charset="0"/>
-              </a:rPr>
-              <a:t>Which byte—MSB (0xDE) or LSB (0xEF) gets stored in memory first?</a:t>
-            </a:r>
-          </a:p>
-        </p:txBody>
-      </p:sp>
-      <p:sp>
-        <p:nvSpPr>
-          <p:cNvPr id="4" name="Date Placeholder 3"/>
-          <p:cNvSpPr>
-            <a:spLocks noGrp="1"/>
-          </p:cNvSpPr>
-          <p:nvPr>
-            <p:ph type="dt" sz="quarter" idx="10"/>
-          </p:nvPr>
-        </p:nvSpPr>
-        <p:spPr/>
-        <p:txBody>
-          <a:bodyPr/>
-          <a:lstStyle>
-            <a:lvl1pPr eaLnBrk="0" hangingPunct="0">
-              <a:defRPr>
-                <a:solidFill>
-                  <a:schemeClr val="tx1"/>
-                </a:solidFill>
-                <a:latin typeface="Arial" charset="0"/>
-                <a:ea typeface="ＭＳ Ｐゴシック" charset="0"/>
-                <a:cs typeface="Arial" charset="0"/>
-              </a:defRPr>
-            </a:lvl1pPr>
-            <a:lvl2pPr marL="742950" indent="-285750" eaLnBrk="0" hangingPunct="0">
-              <a:defRPr>
-                <a:solidFill>
-                  <a:schemeClr val="tx1"/>
-                </a:solidFill>
-                <a:latin typeface="Arial" charset="0"/>
-                <a:ea typeface="Arial" charset="0"/>
-                <a:cs typeface="Arial" charset="0"/>
-              </a:defRPr>
-            </a:lvl2pPr>
-            <a:lvl3pPr marL="1143000" indent="-228600" eaLnBrk="0" hangingPunct="0">
-              <a:defRPr>
-                <a:solidFill>
-                  <a:schemeClr val="tx1"/>
-                </a:solidFill>
-                <a:latin typeface="Arial" charset="0"/>
-                <a:ea typeface="Arial" charset="0"/>
-                <a:cs typeface="Arial" charset="0"/>
-              </a:defRPr>
-            </a:lvl3pPr>
-            <a:lvl4pPr marL="1600200" indent="-228600" eaLnBrk="0" hangingPunct="0">
-              <a:defRPr>
-                <a:solidFill>
-                  <a:schemeClr val="tx1"/>
-                </a:solidFill>
-                <a:latin typeface="Arial" charset="0"/>
-                <a:ea typeface="Arial" charset="0"/>
-                <a:cs typeface="Arial" charset="0"/>
-              </a:defRPr>
-            </a:lvl4pPr>
-            <a:lvl5pPr marL="2057400" indent="-228600" eaLnBrk="0" hangingPunct="0">
-              <a:defRPr>
-                <a:solidFill>
-                  <a:schemeClr val="tx1"/>
-                </a:solidFill>
-                <a:latin typeface="Arial" charset="0"/>
-                <a:ea typeface="Arial" charset="0"/>
-                <a:cs typeface="Arial" charset="0"/>
-              </a:defRPr>
-            </a:lvl5pPr>
-            <a:lvl6pPr marL="2514600" indent="-228600" eaLnBrk="0" fontAlgn="base" hangingPunct="0">
-              <a:spcBef>
-                <a:spcPct val="0"/>
-              </a:spcBef>
-              <a:spcAft>
-                <a:spcPct val="0"/>
-              </a:spcAft>
-              <a:defRPr>
-                <a:solidFill>
-                  <a:schemeClr val="tx1"/>
-                </a:solidFill>
-                <a:latin typeface="Arial" charset="0"/>
-                <a:ea typeface="Arial" charset="0"/>
-                <a:cs typeface="Arial" charset="0"/>
-              </a:defRPr>
-            </a:lvl6pPr>
-            <a:lvl7pPr marL="2971800" indent="-228600" eaLnBrk="0" fontAlgn="base" hangingPunct="0">
-              <a:spcBef>
-                <a:spcPct val="0"/>
-              </a:spcBef>
-              <a:spcAft>
-                <a:spcPct val="0"/>
-              </a:spcAft>
-              <a:defRPr>
-                <a:solidFill>
-                  <a:schemeClr val="tx1"/>
-                </a:solidFill>
-                <a:latin typeface="Arial" charset="0"/>
-                <a:ea typeface="Arial" charset="0"/>
-                <a:cs typeface="Arial" charset="0"/>
-              </a:defRPr>
-            </a:lvl7pPr>
-            <a:lvl8pPr marL="3429000" indent="-228600" eaLnBrk="0" fontAlgn="base" hangingPunct="0">
-              <a:spcBef>
-                <a:spcPct val="0"/>
-              </a:spcBef>
-              <a:spcAft>
-                <a:spcPct val="0"/>
-              </a:spcAft>
-              <a:defRPr>
-                <a:solidFill>
-                  <a:schemeClr val="tx1"/>
-                </a:solidFill>
-                <a:latin typeface="Arial" charset="0"/>
-                <a:ea typeface="Arial" charset="0"/>
-                <a:cs typeface="Arial" charset="0"/>
-              </a:defRPr>
-            </a:lvl8pPr>
-            <a:lvl9pPr marL="3886200" indent="-228600" eaLnBrk="0" fontAlgn="base" hangingPunct="0">
-              <a:spcBef>
-                <a:spcPct val="0"/>
-              </a:spcBef>
-              <a:spcAft>
-                <a:spcPct val="0"/>
-              </a:spcAft>
-              <a:defRPr>
-                <a:solidFill>
-                  <a:schemeClr val="tx1"/>
-                </a:solidFill>
-                <a:latin typeface="Arial" charset="0"/>
-                <a:ea typeface="Arial" charset="0"/>
-                <a:cs typeface="Arial" charset="0"/>
-              </a:defRPr>
-            </a:lvl9pPr>
-          </a:lstStyle>
-          <a:p>
-            <a:pPr eaLnBrk="1" hangingPunct="1"/>
-            <a:fld id="{18100738-77C4-AB46-92E9-97C61555152D}" type="datetime1">
-              <a:rPr lang="en-US">
-                <a:latin typeface="Garamond" charset="0"/>
-              </a:rPr>
-              <a:pPr eaLnBrk="1" hangingPunct="1"/>
-              <a:t>9/2/15</a:t>
-            </a:fld>
-            <a:endParaRPr lang="en-US">
-              <a:latin typeface="Garamond" charset="0"/>
-            </a:endParaRPr>
-          </a:p>
-        </p:txBody>
-      </p:sp>
-      <p:sp>
-        <p:nvSpPr>
-          <p:cNvPr id="5" name="Footer Placeholder 4"/>
-          <p:cNvSpPr>
-            <a:spLocks noGrp="1"/>
-          </p:cNvSpPr>
-          <p:nvPr>
-            <p:ph type="ftr" sz="quarter" idx="11"/>
-          </p:nvPr>
-        </p:nvSpPr>
-        <p:spPr/>
-        <p:txBody>
-          <a:bodyPr/>
-          <a:lstStyle/>
-          <a:p>
-            <a:pPr>
-              <a:defRPr/>
-            </a:pPr>
-            <a:r>
-              <a:rPr lang="en-US" altLang="en-US"/>
-              <a:t>Microprocessors I:  Lecture 2</a:t>
-            </a:r>
-          </a:p>
-        </p:txBody>
-      </p:sp>
-      <p:sp>
-        <p:nvSpPr>
-          <p:cNvPr id="6" name="Slide Number Placeholder 5"/>
-          <p:cNvSpPr>
-            <a:spLocks noGrp="1"/>
-          </p:cNvSpPr>
-          <p:nvPr>
-            <p:ph type="sldNum" sz="quarter" idx="12"/>
-          </p:nvPr>
-        </p:nvSpPr>
-        <p:spPr/>
-        <p:txBody>
-          <a:bodyPr/>
-          <a:lstStyle>
-            <a:lvl1pPr eaLnBrk="0" hangingPunct="0">
-              <a:defRPr>
-                <a:solidFill>
-                  <a:schemeClr val="tx1"/>
-                </a:solidFill>
-                <a:latin typeface="Arial" charset="0"/>
-                <a:ea typeface="ＭＳ Ｐゴシック" charset="0"/>
-                <a:cs typeface="Arial" charset="0"/>
-              </a:defRPr>
-            </a:lvl1pPr>
-            <a:lvl2pPr marL="742950" indent="-285750" eaLnBrk="0" hangingPunct="0">
-              <a:defRPr>
-                <a:solidFill>
-                  <a:schemeClr val="tx1"/>
-                </a:solidFill>
-                <a:latin typeface="Arial" charset="0"/>
-                <a:ea typeface="Arial" charset="0"/>
-                <a:cs typeface="Arial" charset="0"/>
-              </a:defRPr>
-            </a:lvl2pPr>
-            <a:lvl3pPr marL="1143000" indent="-228600" eaLnBrk="0" hangingPunct="0">
-              <a:defRPr>
-                <a:solidFill>
-                  <a:schemeClr val="tx1"/>
-                </a:solidFill>
-                <a:latin typeface="Arial" charset="0"/>
-                <a:ea typeface="Arial" charset="0"/>
-                <a:cs typeface="Arial" charset="0"/>
-              </a:defRPr>
-            </a:lvl3pPr>
-            <a:lvl4pPr marL="1600200" indent="-228600" eaLnBrk="0" hangingPunct="0">
-              <a:defRPr>
-                <a:solidFill>
-                  <a:schemeClr val="tx1"/>
-                </a:solidFill>
-                <a:latin typeface="Arial" charset="0"/>
-                <a:ea typeface="Arial" charset="0"/>
-                <a:cs typeface="Arial" charset="0"/>
-              </a:defRPr>
-            </a:lvl4pPr>
-            <a:lvl5pPr marL="2057400" indent="-228600" eaLnBrk="0" hangingPunct="0">
-              <a:defRPr>
-                <a:solidFill>
-                  <a:schemeClr val="tx1"/>
-                </a:solidFill>
-                <a:latin typeface="Arial" charset="0"/>
-                <a:ea typeface="Arial" charset="0"/>
-                <a:cs typeface="Arial" charset="0"/>
-              </a:defRPr>
-            </a:lvl5pPr>
-            <a:lvl6pPr marL="2514600" indent="-228600" eaLnBrk="0" fontAlgn="base" hangingPunct="0">
-              <a:spcBef>
-                <a:spcPct val="0"/>
-              </a:spcBef>
-              <a:spcAft>
-                <a:spcPct val="0"/>
-              </a:spcAft>
-              <a:defRPr>
-                <a:solidFill>
-                  <a:schemeClr val="tx1"/>
-                </a:solidFill>
-                <a:latin typeface="Arial" charset="0"/>
-                <a:ea typeface="Arial" charset="0"/>
-                <a:cs typeface="Arial" charset="0"/>
-              </a:defRPr>
-            </a:lvl6pPr>
-            <a:lvl7pPr marL="2971800" indent="-228600" eaLnBrk="0" fontAlgn="base" hangingPunct="0">
-              <a:spcBef>
-                <a:spcPct val="0"/>
-              </a:spcBef>
-              <a:spcAft>
-                <a:spcPct val="0"/>
-              </a:spcAft>
-              <a:defRPr>
-                <a:solidFill>
-                  <a:schemeClr val="tx1"/>
-                </a:solidFill>
-                <a:latin typeface="Arial" charset="0"/>
-                <a:ea typeface="Arial" charset="0"/>
-                <a:cs typeface="Arial" charset="0"/>
-              </a:defRPr>
-            </a:lvl7pPr>
-            <a:lvl8pPr marL="3429000" indent="-228600" eaLnBrk="0" fontAlgn="base" hangingPunct="0">
-              <a:spcBef>
-                <a:spcPct val="0"/>
-              </a:spcBef>
-              <a:spcAft>
-                <a:spcPct val="0"/>
-              </a:spcAft>
-              <a:defRPr>
-                <a:solidFill>
-                  <a:schemeClr val="tx1"/>
-                </a:solidFill>
-                <a:latin typeface="Arial" charset="0"/>
-                <a:ea typeface="Arial" charset="0"/>
-                <a:cs typeface="Arial" charset="0"/>
-              </a:defRPr>
-            </a:lvl8pPr>
-            <a:lvl9pPr marL="3886200" indent="-228600" eaLnBrk="0" fontAlgn="base" hangingPunct="0">
-              <a:spcBef>
-                <a:spcPct val="0"/>
-              </a:spcBef>
-              <a:spcAft>
-                <a:spcPct val="0"/>
-              </a:spcAft>
-              <a:defRPr>
-                <a:solidFill>
-                  <a:schemeClr val="tx1"/>
-                </a:solidFill>
-                <a:latin typeface="Arial" charset="0"/>
-                <a:ea typeface="Arial" charset="0"/>
-                <a:cs typeface="Arial" charset="0"/>
-              </a:defRPr>
-            </a:lvl9pPr>
-          </a:lstStyle>
-          <a:p>
-            <a:pPr eaLnBrk="1" hangingPunct="1"/>
-            <a:fld id="{BB39BE5E-C5AA-6E4B-9B9A-4748D78D0907}" type="slidenum">
-              <a:rPr lang="en-US">
-                <a:latin typeface="Garamond" charset="0"/>
-              </a:rPr>
-              <a:pPr eaLnBrk="1" hangingPunct="1"/>
-              <a:t>21</a:t>
-            </a:fld>
-            <a:endParaRPr lang="en-US">
-              <a:latin typeface="Garamond" charset="0"/>
-            </a:endParaRPr>
-          </a:p>
-        </p:txBody>
-      </p:sp>
-    </p:spTree>
-  </p:cSld>
-  <p:clrMapOvr>
-    <a:masterClrMapping/>
-  </p:clrMapOvr>
-  <p:timing>
-    <p:tnLst>
-      <p:par>
-        <p:cTn xmlns:p14="http://schemas.microsoft.com/office/powerpoint/2010/main" id="1" dur="indefinite" restart="never" nodeType="tmRoot"/>
-      </p:par>
-    </p:tnLst>
-  </p:timing>
-</p:sld>
-</file>
-
-<file path=ppt/slides/slide22.xml><?xml version="1.0" encoding="utf-8"?>
-<p:sld xmlns:a="http://schemas.openxmlformats.org/drawingml/2006/main" xmlns:r="http://schemas.openxmlformats.org/officeDocument/2006/relationships" xmlns:p="http://schemas.openxmlformats.org/presentationml/2006/main">
-  <p:cSld>
-    <p:spTree>
-      <p:nvGrpSpPr>
-        <p:cNvPr id="1" name=""/>
-        <p:cNvGrpSpPr/>
-        <p:nvPr/>
-      </p:nvGrpSpPr>
-      <p:grpSpPr>
-        <a:xfrm>
-          <a:off x="0" y="0"/>
-          <a:ext cx="0" cy="0"/>
-          <a:chOff x="0" y="0"/>
-          <a:chExt cx="0" cy="0"/>
-        </a:xfrm>
-      </p:grpSpPr>
-      <p:sp>
-        <p:nvSpPr>
-          <p:cNvPr id="27650" name="Title 1"/>
-          <p:cNvSpPr>
-            <a:spLocks noGrp="1"/>
-          </p:cNvSpPr>
-          <p:nvPr>
-            <p:ph type="title"/>
-          </p:nvPr>
-        </p:nvSpPr>
-        <p:spPr/>
-        <p:txBody>
-          <a:bodyPr/>
-          <a:lstStyle/>
-          <a:p>
-            <a:r>
-              <a:rPr lang="en-US">
-                <a:latin typeface="Garamond" charset="0"/>
-              </a:rPr>
-              <a:t>Final notes</a:t>
-            </a:r>
-          </a:p>
-        </p:txBody>
-      </p:sp>
-      <p:sp>
-        <p:nvSpPr>
-          <p:cNvPr id="27651" name="Content Placeholder 2"/>
-          <p:cNvSpPr>
-            <a:spLocks noGrp="1"/>
-          </p:cNvSpPr>
-          <p:nvPr>
-            <p:ph idx="1"/>
-          </p:nvPr>
-        </p:nvSpPr>
-        <p:spPr/>
-        <p:txBody>
-          <a:bodyPr/>
-          <a:lstStyle/>
-          <a:p>
-            <a:r>
-              <a:rPr lang="en-US" dirty="0">
-                <a:latin typeface="Arial" charset="0"/>
-              </a:rPr>
-              <a:t>Next </a:t>
-            </a:r>
-            <a:r>
-              <a:rPr lang="en-US" dirty="0" smtClean="0">
-                <a:latin typeface="Arial" charset="0"/>
-              </a:rPr>
-              <a:t>time </a:t>
-            </a:r>
-            <a:r>
-              <a:rPr lang="en-US" i="1" dirty="0" smtClean="0">
-                <a:latin typeface="Arial" charset="0"/>
-              </a:rPr>
-              <a:t>(Wednesday, 9/9)</a:t>
-            </a:r>
-            <a:r>
-              <a:rPr lang="en-US" dirty="0" smtClean="0">
-                <a:latin typeface="Arial" charset="0"/>
-              </a:rPr>
-              <a:t>:</a:t>
-            </a:r>
-            <a:endParaRPr lang="en-US" dirty="0">
-              <a:latin typeface="Arial" charset="0"/>
-            </a:endParaRPr>
-          </a:p>
-          <a:p>
-            <a:pPr lvl="1"/>
-            <a:r>
-              <a:rPr lang="en-US" dirty="0">
-                <a:latin typeface="Arial" charset="0"/>
-              </a:rPr>
-              <a:t>x86 introduction</a:t>
-            </a:r>
-          </a:p>
-          <a:p>
-            <a:r>
-              <a:rPr lang="en-US" dirty="0">
-                <a:latin typeface="Arial" charset="0"/>
-              </a:rPr>
-              <a:t>Reminders:</a:t>
-            </a:r>
-          </a:p>
-          <a:p>
-            <a:pPr lvl="1"/>
-            <a:r>
-              <a:rPr lang="en-US" dirty="0">
-                <a:latin typeface="Arial" charset="0"/>
-              </a:rPr>
-              <a:t>Sign up for the discussion group on </a:t>
-            </a:r>
-            <a:r>
-              <a:rPr lang="en-US" dirty="0" smtClean="0">
-                <a:latin typeface="Arial" charset="0"/>
-              </a:rPr>
-              <a:t>Piazza</a:t>
-            </a:r>
-          </a:p>
-          <a:p>
-            <a:pPr lvl="1"/>
-            <a:r>
-              <a:rPr lang="en-US" dirty="0" smtClean="0">
-                <a:latin typeface="Arial" charset="0"/>
-              </a:rPr>
-              <a:t>No lecture Monday (Labor Day)</a:t>
-            </a:r>
-            <a:endParaRPr lang="en-US" dirty="0">
-              <a:latin typeface="Arial" charset="0"/>
-            </a:endParaRPr>
-          </a:p>
-          <a:p>
-            <a:pPr lvl="1"/>
-            <a:endParaRPr lang="en-US" dirty="0">
-              <a:latin typeface="Arial" charset="0"/>
-            </a:endParaRPr>
-          </a:p>
-        </p:txBody>
-      </p:sp>
-      <p:sp>
-        <p:nvSpPr>
-          <p:cNvPr id="4" name="Date Placeholder 3"/>
-          <p:cNvSpPr>
-            <a:spLocks noGrp="1"/>
-          </p:cNvSpPr>
-          <p:nvPr>
-            <p:ph type="dt" sz="quarter" idx="10"/>
-          </p:nvPr>
-        </p:nvSpPr>
-        <p:spPr/>
-        <p:txBody>
-          <a:bodyPr/>
-          <a:lstStyle>
-            <a:lvl1pPr eaLnBrk="0" hangingPunct="0">
-              <a:defRPr>
-                <a:solidFill>
-                  <a:schemeClr val="tx1"/>
-                </a:solidFill>
-                <a:latin typeface="Arial" charset="0"/>
-                <a:ea typeface="ＭＳ Ｐゴシック" charset="0"/>
-                <a:cs typeface="Arial" charset="0"/>
-              </a:defRPr>
-            </a:lvl1pPr>
-            <a:lvl2pPr marL="742950" indent="-285750" eaLnBrk="0" hangingPunct="0">
-              <a:defRPr>
-                <a:solidFill>
-                  <a:schemeClr val="tx1"/>
-                </a:solidFill>
-                <a:latin typeface="Arial" charset="0"/>
-                <a:ea typeface="Arial" charset="0"/>
-                <a:cs typeface="Arial" charset="0"/>
-              </a:defRPr>
-            </a:lvl2pPr>
-            <a:lvl3pPr marL="1143000" indent="-228600" eaLnBrk="0" hangingPunct="0">
-              <a:defRPr>
-                <a:solidFill>
-                  <a:schemeClr val="tx1"/>
-                </a:solidFill>
-                <a:latin typeface="Arial" charset="0"/>
-                <a:ea typeface="Arial" charset="0"/>
-                <a:cs typeface="Arial" charset="0"/>
-              </a:defRPr>
-            </a:lvl3pPr>
-            <a:lvl4pPr marL="1600200" indent="-228600" eaLnBrk="0" hangingPunct="0">
-              <a:defRPr>
-                <a:solidFill>
-                  <a:schemeClr val="tx1"/>
-                </a:solidFill>
-                <a:latin typeface="Arial" charset="0"/>
-                <a:ea typeface="Arial" charset="0"/>
-                <a:cs typeface="Arial" charset="0"/>
-              </a:defRPr>
-            </a:lvl4pPr>
-            <a:lvl5pPr marL="2057400" indent="-228600" eaLnBrk="0" hangingPunct="0">
-              <a:defRPr>
-                <a:solidFill>
-                  <a:schemeClr val="tx1"/>
-                </a:solidFill>
-                <a:latin typeface="Arial" charset="0"/>
-                <a:ea typeface="Arial" charset="0"/>
-                <a:cs typeface="Arial" charset="0"/>
-              </a:defRPr>
-            </a:lvl5pPr>
-            <a:lvl6pPr marL="2514600" indent="-228600" eaLnBrk="0" fontAlgn="base" hangingPunct="0">
-              <a:spcBef>
-                <a:spcPct val="0"/>
-              </a:spcBef>
-              <a:spcAft>
-                <a:spcPct val="0"/>
-              </a:spcAft>
-              <a:defRPr>
-                <a:solidFill>
-                  <a:schemeClr val="tx1"/>
-                </a:solidFill>
-                <a:latin typeface="Arial" charset="0"/>
-                <a:ea typeface="Arial" charset="0"/>
-                <a:cs typeface="Arial" charset="0"/>
-              </a:defRPr>
-            </a:lvl6pPr>
-            <a:lvl7pPr marL="2971800" indent="-228600" eaLnBrk="0" fontAlgn="base" hangingPunct="0">
-              <a:spcBef>
-                <a:spcPct val="0"/>
-              </a:spcBef>
-              <a:spcAft>
-                <a:spcPct val="0"/>
-              </a:spcAft>
-              <a:defRPr>
-                <a:solidFill>
-                  <a:schemeClr val="tx1"/>
-                </a:solidFill>
-                <a:latin typeface="Arial" charset="0"/>
-                <a:ea typeface="Arial" charset="0"/>
-                <a:cs typeface="Arial" charset="0"/>
-              </a:defRPr>
-            </a:lvl7pPr>
-            <a:lvl8pPr marL="3429000" indent="-228600" eaLnBrk="0" fontAlgn="base" hangingPunct="0">
-              <a:spcBef>
-                <a:spcPct val="0"/>
-              </a:spcBef>
-              <a:spcAft>
-                <a:spcPct val="0"/>
-              </a:spcAft>
-              <a:defRPr>
-                <a:solidFill>
-                  <a:schemeClr val="tx1"/>
-                </a:solidFill>
-                <a:latin typeface="Arial" charset="0"/>
-                <a:ea typeface="Arial" charset="0"/>
-                <a:cs typeface="Arial" charset="0"/>
-              </a:defRPr>
-            </a:lvl8pPr>
-            <a:lvl9pPr marL="3886200" indent="-228600" eaLnBrk="0" fontAlgn="base" hangingPunct="0">
-              <a:spcBef>
-                <a:spcPct val="0"/>
-              </a:spcBef>
-              <a:spcAft>
-                <a:spcPct val="0"/>
-              </a:spcAft>
-              <a:defRPr>
-                <a:solidFill>
-                  <a:schemeClr val="tx1"/>
-                </a:solidFill>
-                <a:latin typeface="Arial" charset="0"/>
-                <a:ea typeface="Arial" charset="0"/>
-                <a:cs typeface="Arial" charset="0"/>
-              </a:defRPr>
-            </a:lvl9pPr>
-          </a:lstStyle>
-          <a:p>
-            <a:pPr eaLnBrk="1" hangingPunct="1"/>
-            <a:fld id="{3F938CA9-EE4D-004C-9EAB-9214E39AA4C7}" type="datetime1">
-              <a:rPr lang="en-US">
-                <a:latin typeface="Garamond" charset="0"/>
-              </a:rPr>
-              <a:pPr eaLnBrk="1" hangingPunct="1"/>
-              <a:t>9/2/15</a:t>
-            </a:fld>
-            <a:endParaRPr lang="en-US">
-              <a:latin typeface="Garamond" charset="0"/>
-            </a:endParaRPr>
-          </a:p>
-        </p:txBody>
-      </p:sp>
-      <p:sp>
-        <p:nvSpPr>
-          <p:cNvPr id="5" name="Footer Placeholder 4"/>
-          <p:cNvSpPr>
-            <a:spLocks noGrp="1"/>
-          </p:cNvSpPr>
-          <p:nvPr>
-            <p:ph type="ftr" sz="quarter" idx="11"/>
-          </p:nvPr>
-        </p:nvSpPr>
-        <p:spPr/>
-        <p:txBody>
-          <a:bodyPr/>
-          <a:lstStyle/>
-          <a:p>
-            <a:pPr>
-              <a:defRPr/>
-            </a:pPr>
-            <a:r>
-              <a:rPr lang="en-US" altLang="en-US"/>
-              <a:t>Microprocessors I:  Lecture 2</a:t>
-            </a:r>
-          </a:p>
-        </p:txBody>
-      </p:sp>
-      <p:sp>
-        <p:nvSpPr>
-          <p:cNvPr id="6" name="Slide Number Placeholder 5"/>
-          <p:cNvSpPr>
-            <a:spLocks noGrp="1"/>
-          </p:cNvSpPr>
-          <p:nvPr>
-            <p:ph type="sldNum" sz="quarter" idx="12"/>
-          </p:nvPr>
-        </p:nvSpPr>
-        <p:spPr/>
-        <p:txBody>
-          <a:bodyPr/>
-          <a:lstStyle>
-            <a:lvl1pPr eaLnBrk="0" hangingPunct="0">
-              <a:defRPr>
-                <a:solidFill>
-                  <a:schemeClr val="tx1"/>
-                </a:solidFill>
-                <a:latin typeface="Arial" charset="0"/>
-                <a:ea typeface="ＭＳ Ｐゴシック" charset="0"/>
-                <a:cs typeface="Arial" charset="0"/>
-              </a:defRPr>
-            </a:lvl1pPr>
-            <a:lvl2pPr marL="742950" indent="-285750" eaLnBrk="0" hangingPunct="0">
-              <a:defRPr>
-                <a:solidFill>
-                  <a:schemeClr val="tx1"/>
-                </a:solidFill>
-                <a:latin typeface="Arial" charset="0"/>
-                <a:ea typeface="Arial" charset="0"/>
-                <a:cs typeface="Arial" charset="0"/>
-              </a:defRPr>
-            </a:lvl2pPr>
-            <a:lvl3pPr marL="1143000" indent="-228600" eaLnBrk="0" hangingPunct="0">
-              <a:defRPr>
-                <a:solidFill>
-                  <a:schemeClr val="tx1"/>
-                </a:solidFill>
-                <a:latin typeface="Arial" charset="0"/>
-                <a:ea typeface="Arial" charset="0"/>
-                <a:cs typeface="Arial" charset="0"/>
-              </a:defRPr>
-            </a:lvl3pPr>
-            <a:lvl4pPr marL="1600200" indent="-228600" eaLnBrk="0" hangingPunct="0">
-              <a:defRPr>
-                <a:solidFill>
-                  <a:schemeClr val="tx1"/>
-                </a:solidFill>
-                <a:latin typeface="Arial" charset="0"/>
-                <a:ea typeface="Arial" charset="0"/>
-                <a:cs typeface="Arial" charset="0"/>
-              </a:defRPr>
-            </a:lvl4pPr>
-            <a:lvl5pPr marL="2057400" indent="-228600" eaLnBrk="0" hangingPunct="0">
-              <a:defRPr>
-                <a:solidFill>
-                  <a:schemeClr val="tx1"/>
-                </a:solidFill>
-                <a:latin typeface="Arial" charset="0"/>
-                <a:ea typeface="Arial" charset="0"/>
-                <a:cs typeface="Arial" charset="0"/>
-              </a:defRPr>
-            </a:lvl5pPr>
-            <a:lvl6pPr marL="2514600" indent="-228600" eaLnBrk="0" fontAlgn="base" hangingPunct="0">
-              <a:spcBef>
-                <a:spcPct val="0"/>
-              </a:spcBef>
-              <a:spcAft>
-                <a:spcPct val="0"/>
-              </a:spcAft>
-              <a:defRPr>
-                <a:solidFill>
-                  <a:schemeClr val="tx1"/>
-                </a:solidFill>
-                <a:latin typeface="Arial" charset="0"/>
-                <a:ea typeface="Arial" charset="0"/>
-                <a:cs typeface="Arial" charset="0"/>
-              </a:defRPr>
-            </a:lvl6pPr>
-            <a:lvl7pPr marL="2971800" indent="-228600" eaLnBrk="0" fontAlgn="base" hangingPunct="0">
-              <a:spcBef>
-                <a:spcPct val="0"/>
-              </a:spcBef>
-              <a:spcAft>
-                <a:spcPct val="0"/>
-              </a:spcAft>
-              <a:defRPr>
-                <a:solidFill>
-                  <a:schemeClr val="tx1"/>
-                </a:solidFill>
-                <a:latin typeface="Arial" charset="0"/>
-                <a:ea typeface="Arial" charset="0"/>
-                <a:cs typeface="Arial" charset="0"/>
-              </a:defRPr>
-            </a:lvl7pPr>
-            <a:lvl8pPr marL="3429000" indent="-228600" eaLnBrk="0" fontAlgn="base" hangingPunct="0">
-              <a:spcBef>
-                <a:spcPct val="0"/>
-              </a:spcBef>
-              <a:spcAft>
-                <a:spcPct val="0"/>
-              </a:spcAft>
-              <a:defRPr>
-                <a:solidFill>
-                  <a:schemeClr val="tx1"/>
-                </a:solidFill>
-                <a:latin typeface="Arial" charset="0"/>
-                <a:ea typeface="Arial" charset="0"/>
-                <a:cs typeface="Arial" charset="0"/>
-              </a:defRPr>
-            </a:lvl8pPr>
-            <a:lvl9pPr marL="3886200" indent="-228600" eaLnBrk="0" fontAlgn="base" hangingPunct="0">
-              <a:spcBef>
-                <a:spcPct val="0"/>
-              </a:spcBef>
-              <a:spcAft>
-                <a:spcPct val="0"/>
-              </a:spcAft>
-              <a:defRPr>
-                <a:solidFill>
-                  <a:schemeClr val="tx1"/>
-                </a:solidFill>
-                <a:latin typeface="Arial" charset="0"/>
-                <a:ea typeface="Arial" charset="0"/>
-                <a:cs typeface="Arial" charset="0"/>
-              </a:defRPr>
-            </a:lvl9pPr>
-          </a:lstStyle>
-          <a:p>
-            <a:pPr eaLnBrk="1" hangingPunct="1"/>
-            <a:fld id="{518B7EA9-245E-F840-AF51-69B05D1259DF}" type="slidenum">
-              <a:rPr lang="en-US">
-                <a:latin typeface="Garamond" charset="0"/>
-              </a:rPr>
-              <a:pPr eaLnBrk="1" hangingPunct="1"/>
-              <a:t>22</a:t>
             </a:fld>
             <a:endParaRPr lang="en-US">
               <a:latin typeface="Garamond" charset="0"/>
@@ -17663,7 +15551,7 @@
                 <a:latin typeface="Garamond" charset="0"/>
               </a:rPr>
               <a:pPr eaLnBrk="1" hangingPunct="1"/>
-              <a:t>9/2/15</a:t>
+              <a:t>9/7/15</a:t>
             </a:fld>
             <a:endParaRPr lang="en-US">
               <a:latin typeface="Garamond" charset="0"/>
@@ -18009,7 +15897,7 @@
                 <a:latin typeface="Garamond" charset="0"/>
               </a:rPr>
               <a:pPr eaLnBrk="1" hangingPunct="1"/>
-              <a:t>9/2/15</a:t>
+              <a:t>9/7/15</a:t>
             </a:fld>
             <a:endParaRPr lang="en-US">
               <a:latin typeface="Garamond" charset="0"/>
@@ -18523,7 +16411,7 @@
                 <a:latin typeface="Garamond" charset="0"/>
               </a:rPr>
               <a:pPr eaLnBrk="1" hangingPunct="1"/>
-              <a:t>9/2/15</a:t>
+              <a:t>9/7/15</a:t>
             </a:fld>
             <a:endParaRPr lang="en-US">
               <a:latin typeface="Garamond" charset="0"/>
@@ -19031,7 +16919,7 @@
                 <a:latin typeface="Garamond" charset="0"/>
               </a:rPr>
               <a:pPr eaLnBrk="1" hangingPunct="1"/>
-              <a:t>9/2/15</a:t>
+              <a:t>9/7/15</a:t>
             </a:fld>
             <a:endParaRPr lang="en-US">
               <a:latin typeface="Garamond" charset="0"/>
@@ -19789,7 +17677,7 @@
                 <a:latin typeface="Garamond" charset="0"/>
               </a:rPr>
               <a:pPr eaLnBrk="1" hangingPunct="1"/>
-              <a:t>9/2/15</a:t>
+              <a:t>9/7/15</a:t>
             </a:fld>
             <a:endParaRPr lang="en-US">
               <a:latin typeface="Garamond" charset="0"/>
@@ -20381,7 +18269,7 @@
                 <a:latin typeface="Garamond" charset="0"/>
               </a:rPr>
               <a:pPr eaLnBrk="1" hangingPunct="1"/>
-              <a:t>9/2/15</a:t>
+              <a:t>9/7/15</a:t>
             </a:fld>
             <a:endParaRPr lang="en-US">
               <a:latin typeface="Garamond" charset="0"/>
@@ -21280,7 +19168,7 @@
                 <a:latin typeface="Garamond" charset="0"/>
               </a:rPr>
               <a:pPr eaLnBrk="1" hangingPunct="1"/>
-              <a:t>9/2/15</a:t>
+              <a:t>9/7/15</a:t>
             </a:fld>
             <a:endParaRPr lang="en-US">
               <a:latin typeface="Garamond" charset="0"/>
